--- a/OSCAR.pptx
+++ b/OSCAR.pptx
@@ -5,7 +5,7 @@
     <p:sldMasterId id="2147483648" r:id="rId1"/>
   </p:sldMasterIdLst>
   <p:notesMasterIdLst>
-    <p:notesMasterId r:id="rId12"/>
+    <p:notesMasterId r:id="rId13"/>
   </p:notesMasterIdLst>
   <p:sldIdLst>
     <p:sldId id="256" r:id="rId2"/>
@@ -18,6 +18,7 @@
     <p:sldId id="263" r:id="rId9"/>
     <p:sldId id="264" r:id="rId10"/>
     <p:sldId id="265" r:id="rId11"/>
+    <p:sldId id="266" r:id="rId12"/>
   </p:sldIdLst>
   <p:sldSz cx="9144000" cy="6858000" type="screen4x3"/>
   <p:notesSz cx="6858000" cy="9144000"/>
@@ -201,7 +202,7 @@
           <a:p>
             <a:fld id="{3F5876BB-E767-442D-98DA-88A25C75BD75}" type="datetimeFigureOut">
               <a:rPr lang="es-MX" smtClean="0"/>
-              <a:t>20/05/2015</a:t>
+              <a:t>21/05/2015</a:t>
             </a:fld>
             <a:endParaRPr lang="es-MX"/>
           </a:p>
@@ -734,7 +735,7 @@
           <a:p>
             <a:fld id="{683BDEE4-BE83-4406-A185-61C0D3BB859C}" type="datetimeFigureOut">
               <a:rPr lang="es-MX" smtClean="0"/>
-              <a:t>20/05/2015</a:t>
+              <a:t>21/05/2015</a:t>
             </a:fld>
             <a:endParaRPr lang="es-MX"/>
           </a:p>
@@ -904,7 +905,7 @@
           <a:p>
             <a:fld id="{683BDEE4-BE83-4406-A185-61C0D3BB859C}" type="datetimeFigureOut">
               <a:rPr lang="es-MX" smtClean="0"/>
-              <a:t>20/05/2015</a:t>
+              <a:t>21/05/2015</a:t>
             </a:fld>
             <a:endParaRPr lang="es-MX"/>
           </a:p>
@@ -1084,7 +1085,7 @@
           <a:p>
             <a:fld id="{683BDEE4-BE83-4406-A185-61C0D3BB859C}" type="datetimeFigureOut">
               <a:rPr lang="es-MX" smtClean="0"/>
-              <a:t>20/05/2015</a:t>
+              <a:t>21/05/2015</a:t>
             </a:fld>
             <a:endParaRPr lang="es-MX"/>
           </a:p>
@@ -1254,7 +1255,7 @@
           <a:p>
             <a:fld id="{683BDEE4-BE83-4406-A185-61C0D3BB859C}" type="datetimeFigureOut">
               <a:rPr lang="es-MX" smtClean="0"/>
-              <a:t>20/05/2015</a:t>
+              <a:t>21/05/2015</a:t>
             </a:fld>
             <a:endParaRPr lang="es-MX"/>
           </a:p>
@@ -1500,7 +1501,7 @@
           <a:p>
             <a:fld id="{683BDEE4-BE83-4406-A185-61C0D3BB859C}" type="datetimeFigureOut">
               <a:rPr lang="es-MX" smtClean="0"/>
-              <a:t>20/05/2015</a:t>
+              <a:t>21/05/2015</a:t>
             </a:fld>
             <a:endParaRPr lang="es-MX"/>
           </a:p>
@@ -1788,7 +1789,7 @@
           <a:p>
             <a:fld id="{683BDEE4-BE83-4406-A185-61C0D3BB859C}" type="datetimeFigureOut">
               <a:rPr lang="es-MX" smtClean="0"/>
-              <a:t>20/05/2015</a:t>
+              <a:t>21/05/2015</a:t>
             </a:fld>
             <a:endParaRPr lang="es-MX"/>
           </a:p>
@@ -2210,7 +2211,7 @@
           <a:p>
             <a:fld id="{683BDEE4-BE83-4406-A185-61C0D3BB859C}" type="datetimeFigureOut">
               <a:rPr lang="es-MX" smtClean="0"/>
-              <a:t>20/05/2015</a:t>
+              <a:t>21/05/2015</a:t>
             </a:fld>
             <a:endParaRPr lang="es-MX"/>
           </a:p>
@@ -2328,7 +2329,7 @@
           <a:p>
             <a:fld id="{683BDEE4-BE83-4406-A185-61C0D3BB859C}" type="datetimeFigureOut">
               <a:rPr lang="es-MX" smtClean="0"/>
-              <a:t>20/05/2015</a:t>
+              <a:t>21/05/2015</a:t>
             </a:fld>
             <a:endParaRPr lang="es-MX"/>
           </a:p>
@@ -2423,7 +2424,7 @@
           <a:p>
             <a:fld id="{683BDEE4-BE83-4406-A185-61C0D3BB859C}" type="datetimeFigureOut">
               <a:rPr lang="es-MX" smtClean="0"/>
-              <a:t>20/05/2015</a:t>
+              <a:t>21/05/2015</a:t>
             </a:fld>
             <a:endParaRPr lang="es-MX"/>
           </a:p>
@@ -2700,7 +2701,7 @@
           <a:p>
             <a:fld id="{683BDEE4-BE83-4406-A185-61C0D3BB859C}" type="datetimeFigureOut">
               <a:rPr lang="es-MX" smtClean="0"/>
-              <a:t>20/05/2015</a:t>
+              <a:t>21/05/2015</a:t>
             </a:fld>
             <a:endParaRPr lang="es-MX"/>
           </a:p>
@@ -2953,7 +2954,7 @@
           <a:p>
             <a:fld id="{683BDEE4-BE83-4406-A185-61C0D3BB859C}" type="datetimeFigureOut">
               <a:rPr lang="es-MX" smtClean="0"/>
-              <a:t>20/05/2015</a:t>
+              <a:t>21/05/2015</a:t>
             </a:fld>
             <a:endParaRPr lang="es-MX"/>
           </a:p>
@@ -3166,7 +3167,7 @@
           <a:p>
             <a:fld id="{683BDEE4-BE83-4406-A185-61C0D3BB859C}" type="datetimeFigureOut">
               <a:rPr lang="es-MX" smtClean="0"/>
-              <a:t>20/05/2015</a:t>
+              <a:t>21/05/2015</a:t>
             </a:fld>
             <a:endParaRPr lang="es-MX"/>
           </a:p>
@@ -3824,25 +3825,7 @@
                   </a:outerShdw>
                 </a:effectLst>
               </a:rPr>
-              <a:t>OSCAR </a:t>
-            </a:r>
-            <a:r>
-              <a:rPr lang="es-MX" sz="1600" b="1" dirty="0" smtClean="0">
-                <a:solidFill>
-                  <a:schemeClr val="tx1">
-                    <a:lumMod val="85000"/>
-                    <a:lumOff val="15000"/>
-                  </a:schemeClr>
-                </a:solidFill>
-                <a:effectLst>
-                  <a:outerShdw blurRad="38100" dist="38100" dir="2700000" algn="tl">
-                    <a:srgbClr val="000000">
-                      <a:alpha val="43137"/>
-                    </a:srgbClr>
-                  </a:outerShdw>
-                </a:effectLst>
-              </a:rPr>
-              <a:t>FRANCISCO MARTÍNEZ CONTRERAS</a:t>
+              <a:t>OSCAR FRANCISCO MARTÍNEZ CONTRERAS</a:t>
             </a:r>
             <a:endParaRPr lang="es-MX" sz="1600" b="1" dirty="0">
               <a:solidFill>
@@ -3901,25 +3884,7 @@
                   </a:outerShdw>
                 </a:effectLst>
               </a:rPr>
-              <a:t>PROFESOR</a:t>
-            </a:r>
-            <a:r>
-              <a:rPr lang="es-MX" sz="1400" b="1" dirty="0" smtClean="0">
-                <a:solidFill>
-                  <a:schemeClr val="tx1">
-                    <a:lumMod val="85000"/>
-                    <a:lumOff val="15000"/>
-                  </a:schemeClr>
-                </a:solidFill>
-                <a:effectLst>
-                  <a:outerShdw blurRad="38100" dist="38100" dir="2700000" algn="tl">
-                    <a:srgbClr val="000000">
-                      <a:alpha val="43137"/>
-                    </a:srgbClr>
-                  </a:outerShdw>
-                </a:effectLst>
-              </a:rPr>
-              <a:t>:</a:t>
+              <a:t>PROFESOR:</a:t>
             </a:r>
           </a:p>
           <a:p>
@@ -4852,6 +4817,74 @@
     <p:extLst>
       <p:ext uri="{BB962C8B-B14F-4D97-AF65-F5344CB8AC3E}">
         <p14:creationId xmlns:p14="http://schemas.microsoft.com/office/powerpoint/2010/main" val="17298753"/>
+      </p:ext>
+    </p:extLst>
+  </p:cSld>
+  <p:clrMapOvr>
+    <a:masterClrMapping/>
+  </p:clrMapOvr>
+</p:sld>
+</file>
+
+<file path=ppt/slides/slide11.xml><?xml version="1.0" encoding="utf-8"?>
+<p:sld xmlns:a="http://schemas.openxmlformats.org/drawingml/2006/main" xmlns:r="http://schemas.openxmlformats.org/officeDocument/2006/relationships" xmlns:p="http://schemas.openxmlformats.org/presentationml/2006/main">
+  <p:cSld>
+    <p:spTree>
+      <p:nvGrpSpPr>
+        <p:cNvPr id="1" name=""/>
+        <p:cNvGrpSpPr/>
+        <p:nvPr/>
+      </p:nvGrpSpPr>
+      <p:grpSpPr>
+        <a:xfrm>
+          <a:off x="0" y="0"/>
+          <a:ext cx="0" cy="0"/>
+          <a:chOff x="0" y="0"/>
+          <a:chExt cx="0" cy="0"/>
+        </a:xfrm>
+      </p:grpSpPr>
+      <p:sp>
+        <p:nvSpPr>
+          <p:cNvPr id="2" name="1 Título"/>
+          <p:cNvSpPr>
+            <a:spLocks noGrp="1"/>
+          </p:cNvSpPr>
+          <p:nvPr>
+            <p:ph type="title"/>
+          </p:nvPr>
+        </p:nvSpPr>
+        <p:spPr>
+          <a:xfrm>
+            <a:off x="323528" y="332656"/>
+            <a:ext cx="8229600" cy="1143000"/>
+          </a:xfrm>
+        </p:spPr>
+        <p:txBody>
+          <a:bodyPr>
+            <a:noAutofit/>
+          </a:bodyPr>
+          <a:lstStyle/>
+          <a:p>
+            <a:r>
+              <a:rPr lang="es-MX" sz="3200" dirty="0" smtClean="0">
+                <a:solidFill>
+                  <a:srgbClr val="FF0000"/>
+                </a:solidFill>
+              </a:rPr>
+              <a:t>Jesús Antonio ramos sauceda: </a:t>
+            </a:r>
+            <a:r>
+              <a:rPr lang="es-MX" sz="3200" dirty="0" smtClean="0"/>
+              <a:t>muy buena su presentación óscar  esta muy completa.</a:t>
+            </a:r>
+            <a:endParaRPr lang="es-MX" sz="3200" dirty="0"/>
+          </a:p>
+        </p:txBody>
+      </p:sp>
+    </p:spTree>
+    <p:extLst>
+      <p:ext uri="{BB962C8B-B14F-4D97-AF65-F5344CB8AC3E}">
+        <p14:creationId xmlns:p14="http://schemas.microsoft.com/office/powerpoint/2010/main" val="3531898049"/>
       </p:ext>
     </p:extLst>
   </p:cSld>

--- a/OSCAR.pptx
+++ b/OSCAR.pptx
@@ -202,7 +202,7 @@
           <a:p>
             <a:fld id="{3F5876BB-E767-442D-98DA-88A25C75BD75}" type="datetimeFigureOut">
               <a:rPr lang="es-MX" smtClean="0"/>
-              <a:t>21/05/2015</a:t>
+              <a:t>22/05/2015</a:t>
             </a:fld>
             <a:endParaRPr lang="es-MX"/>
           </a:p>
@@ -735,7 +735,7 @@
           <a:p>
             <a:fld id="{683BDEE4-BE83-4406-A185-61C0D3BB859C}" type="datetimeFigureOut">
               <a:rPr lang="es-MX" smtClean="0"/>
-              <a:t>21/05/2015</a:t>
+              <a:t>22/05/2015</a:t>
             </a:fld>
             <a:endParaRPr lang="es-MX"/>
           </a:p>
@@ -905,7 +905,7 @@
           <a:p>
             <a:fld id="{683BDEE4-BE83-4406-A185-61C0D3BB859C}" type="datetimeFigureOut">
               <a:rPr lang="es-MX" smtClean="0"/>
-              <a:t>21/05/2015</a:t>
+              <a:t>22/05/2015</a:t>
             </a:fld>
             <a:endParaRPr lang="es-MX"/>
           </a:p>
@@ -1085,7 +1085,7 @@
           <a:p>
             <a:fld id="{683BDEE4-BE83-4406-A185-61C0D3BB859C}" type="datetimeFigureOut">
               <a:rPr lang="es-MX" smtClean="0"/>
-              <a:t>21/05/2015</a:t>
+              <a:t>22/05/2015</a:t>
             </a:fld>
             <a:endParaRPr lang="es-MX"/>
           </a:p>
@@ -1255,7 +1255,7 @@
           <a:p>
             <a:fld id="{683BDEE4-BE83-4406-A185-61C0D3BB859C}" type="datetimeFigureOut">
               <a:rPr lang="es-MX" smtClean="0"/>
-              <a:t>21/05/2015</a:t>
+              <a:t>22/05/2015</a:t>
             </a:fld>
             <a:endParaRPr lang="es-MX"/>
           </a:p>
@@ -1501,7 +1501,7 @@
           <a:p>
             <a:fld id="{683BDEE4-BE83-4406-A185-61C0D3BB859C}" type="datetimeFigureOut">
               <a:rPr lang="es-MX" smtClean="0"/>
-              <a:t>21/05/2015</a:t>
+              <a:t>22/05/2015</a:t>
             </a:fld>
             <a:endParaRPr lang="es-MX"/>
           </a:p>
@@ -1789,7 +1789,7 @@
           <a:p>
             <a:fld id="{683BDEE4-BE83-4406-A185-61C0D3BB859C}" type="datetimeFigureOut">
               <a:rPr lang="es-MX" smtClean="0"/>
-              <a:t>21/05/2015</a:t>
+              <a:t>22/05/2015</a:t>
             </a:fld>
             <a:endParaRPr lang="es-MX"/>
           </a:p>
@@ -2211,7 +2211,7 @@
           <a:p>
             <a:fld id="{683BDEE4-BE83-4406-A185-61C0D3BB859C}" type="datetimeFigureOut">
               <a:rPr lang="es-MX" smtClean="0"/>
-              <a:t>21/05/2015</a:t>
+              <a:t>22/05/2015</a:t>
             </a:fld>
             <a:endParaRPr lang="es-MX"/>
           </a:p>
@@ -2329,7 +2329,7 @@
           <a:p>
             <a:fld id="{683BDEE4-BE83-4406-A185-61C0D3BB859C}" type="datetimeFigureOut">
               <a:rPr lang="es-MX" smtClean="0"/>
-              <a:t>21/05/2015</a:t>
+              <a:t>22/05/2015</a:t>
             </a:fld>
             <a:endParaRPr lang="es-MX"/>
           </a:p>
@@ -2424,7 +2424,7 @@
           <a:p>
             <a:fld id="{683BDEE4-BE83-4406-A185-61C0D3BB859C}" type="datetimeFigureOut">
               <a:rPr lang="es-MX" smtClean="0"/>
-              <a:t>21/05/2015</a:t>
+              <a:t>22/05/2015</a:t>
             </a:fld>
             <a:endParaRPr lang="es-MX"/>
           </a:p>
@@ -2701,7 +2701,7 @@
           <a:p>
             <a:fld id="{683BDEE4-BE83-4406-A185-61C0D3BB859C}" type="datetimeFigureOut">
               <a:rPr lang="es-MX" smtClean="0"/>
-              <a:t>21/05/2015</a:t>
+              <a:t>22/05/2015</a:t>
             </a:fld>
             <a:endParaRPr lang="es-MX"/>
           </a:p>
@@ -2954,7 +2954,7 @@
           <a:p>
             <a:fld id="{683BDEE4-BE83-4406-A185-61C0D3BB859C}" type="datetimeFigureOut">
               <a:rPr lang="es-MX" smtClean="0"/>
-              <a:t>21/05/2015</a:t>
+              <a:t>22/05/2015</a:t>
             </a:fld>
             <a:endParaRPr lang="es-MX"/>
           </a:p>
@@ -3167,7 +3167,7 @@
           <a:p>
             <a:fld id="{683BDEE4-BE83-4406-A185-61C0D3BB859C}" type="datetimeFigureOut">
               <a:rPr lang="es-MX" smtClean="0"/>
-              <a:t>21/05/2015</a:t>
+              <a:t>22/05/2015</a:t>
             </a:fld>
             <a:endParaRPr lang="es-MX"/>
           </a:p>
@@ -4876,6 +4876,68 @@
             <a:r>
               <a:rPr lang="es-MX" sz="3200" dirty="0" smtClean="0"/>
               <a:t>muy buena su presentación óscar  esta muy completa.</a:t>
+            </a:r>
+            <a:endParaRPr lang="es-MX" sz="3200" dirty="0"/>
+          </a:p>
+        </p:txBody>
+      </p:sp>
+      <p:sp>
+        <p:nvSpPr>
+          <p:cNvPr id="5" name="1 Título"/>
+          <p:cNvSpPr txBox="1">
+            <a:spLocks/>
+          </p:cNvSpPr>
+          <p:nvPr/>
+        </p:nvSpPr>
+        <p:spPr>
+          <a:xfrm>
+            <a:off x="323528" y="1565920"/>
+            <a:ext cx="8229600" cy="1143000"/>
+          </a:xfrm>
+          <a:prstGeom prst="rect">
+            <a:avLst/>
+          </a:prstGeom>
+        </p:spPr>
+        <p:txBody>
+          <a:bodyPr vert="horz" lIns="91440" tIns="45720" rIns="91440" bIns="45720" rtlCol="0" anchor="ctr">
+            <a:noAutofit/>
+          </a:bodyPr>
+          <a:lstStyle>
+            <a:lvl1pPr algn="ctr" defTabSz="914400" rtl="0" eaLnBrk="1" latinLnBrk="0" hangingPunct="1">
+              <a:spcBef>
+                <a:spcPct val="0"/>
+              </a:spcBef>
+              <a:buNone/>
+              <a:defRPr sz="4400" kern="1200">
+                <a:solidFill>
+                  <a:schemeClr val="tx1"/>
+                </a:solidFill>
+                <a:latin typeface="+mj-lt"/>
+                <a:ea typeface="+mj-ea"/>
+                <a:cs typeface="+mj-cs"/>
+              </a:defRPr>
+            </a:lvl1pPr>
+          </a:lstStyle>
+          <a:p>
+            <a:r>
+              <a:rPr lang="es-MX" sz="3200" dirty="0" err="1" smtClean="0">
+                <a:solidFill>
+                  <a:srgbClr val="FF0000"/>
+                </a:solidFill>
+              </a:rPr>
+              <a:t>Hector</a:t>
+            </a:r>
+            <a:r>
+              <a:rPr lang="es-MX" sz="3200" dirty="0" smtClean="0">
+                <a:solidFill>
+                  <a:srgbClr val="FF0000"/>
+                </a:solidFill>
+              </a:rPr>
+              <a:t>: </a:t>
+            </a:r>
+            <a:r>
+              <a:rPr lang="es-MX" sz="3200" dirty="0" smtClean="0"/>
+              <a:t>excelente presentación, tomando en cuenta todos los aspectos para la auditoría informática.</a:t>
             </a:r>
             <a:endParaRPr lang="es-MX" sz="3200" dirty="0"/>
           </a:p>

--- a/OSCAR.pptx
+++ b/OSCAR.pptx
@@ -202,7 +202,7 @@
           <a:p>
             <a:fld id="{3F5876BB-E767-442D-98DA-88A25C75BD75}" type="datetimeFigureOut">
               <a:rPr lang="es-MX" smtClean="0"/>
-              <a:t>22/05/2015</a:t>
+              <a:t>24/05/2015</a:t>
             </a:fld>
             <a:endParaRPr lang="es-MX"/>
           </a:p>
@@ -735,7 +735,7 @@
           <a:p>
             <a:fld id="{683BDEE4-BE83-4406-A185-61C0D3BB859C}" type="datetimeFigureOut">
               <a:rPr lang="es-MX" smtClean="0"/>
-              <a:t>22/05/2015</a:t>
+              <a:t>24/05/2015</a:t>
             </a:fld>
             <a:endParaRPr lang="es-MX"/>
           </a:p>
@@ -905,7 +905,7 @@
           <a:p>
             <a:fld id="{683BDEE4-BE83-4406-A185-61C0D3BB859C}" type="datetimeFigureOut">
               <a:rPr lang="es-MX" smtClean="0"/>
-              <a:t>22/05/2015</a:t>
+              <a:t>24/05/2015</a:t>
             </a:fld>
             <a:endParaRPr lang="es-MX"/>
           </a:p>
@@ -1085,7 +1085,7 @@
           <a:p>
             <a:fld id="{683BDEE4-BE83-4406-A185-61C0D3BB859C}" type="datetimeFigureOut">
               <a:rPr lang="es-MX" smtClean="0"/>
-              <a:t>22/05/2015</a:t>
+              <a:t>24/05/2015</a:t>
             </a:fld>
             <a:endParaRPr lang="es-MX"/>
           </a:p>
@@ -1255,7 +1255,7 @@
           <a:p>
             <a:fld id="{683BDEE4-BE83-4406-A185-61C0D3BB859C}" type="datetimeFigureOut">
               <a:rPr lang="es-MX" smtClean="0"/>
-              <a:t>22/05/2015</a:t>
+              <a:t>24/05/2015</a:t>
             </a:fld>
             <a:endParaRPr lang="es-MX"/>
           </a:p>
@@ -1501,7 +1501,7 @@
           <a:p>
             <a:fld id="{683BDEE4-BE83-4406-A185-61C0D3BB859C}" type="datetimeFigureOut">
               <a:rPr lang="es-MX" smtClean="0"/>
-              <a:t>22/05/2015</a:t>
+              <a:t>24/05/2015</a:t>
             </a:fld>
             <a:endParaRPr lang="es-MX"/>
           </a:p>
@@ -1789,7 +1789,7 @@
           <a:p>
             <a:fld id="{683BDEE4-BE83-4406-A185-61C0D3BB859C}" type="datetimeFigureOut">
               <a:rPr lang="es-MX" smtClean="0"/>
-              <a:t>22/05/2015</a:t>
+              <a:t>24/05/2015</a:t>
             </a:fld>
             <a:endParaRPr lang="es-MX"/>
           </a:p>
@@ -2211,7 +2211,7 @@
           <a:p>
             <a:fld id="{683BDEE4-BE83-4406-A185-61C0D3BB859C}" type="datetimeFigureOut">
               <a:rPr lang="es-MX" smtClean="0"/>
-              <a:t>22/05/2015</a:t>
+              <a:t>24/05/2015</a:t>
             </a:fld>
             <a:endParaRPr lang="es-MX"/>
           </a:p>
@@ -2329,7 +2329,7 @@
           <a:p>
             <a:fld id="{683BDEE4-BE83-4406-A185-61C0D3BB859C}" type="datetimeFigureOut">
               <a:rPr lang="es-MX" smtClean="0"/>
-              <a:t>22/05/2015</a:t>
+              <a:t>24/05/2015</a:t>
             </a:fld>
             <a:endParaRPr lang="es-MX"/>
           </a:p>
@@ -2424,7 +2424,7 @@
           <a:p>
             <a:fld id="{683BDEE4-BE83-4406-A185-61C0D3BB859C}" type="datetimeFigureOut">
               <a:rPr lang="es-MX" smtClean="0"/>
-              <a:t>22/05/2015</a:t>
+              <a:t>24/05/2015</a:t>
             </a:fld>
             <a:endParaRPr lang="es-MX"/>
           </a:p>
@@ -2701,7 +2701,7 @@
           <a:p>
             <a:fld id="{683BDEE4-BE83-4406-A185-61C0D3BB859C}" type="datetimeFigureOut">
               <a:rPr lang="es-MX" smtClean="0"/>
-              <a:t>22/05/2015</a:t>
+              <a:t>24/05/2015</a:t>
             </a:fld>
             <a:endParaRPr lang="es-MX"/>
           </a:p>
@@ -2954,7 +2954,7 @@
           <a:p>
             <a:fld id="{683BDEE4-BE83-4406-A185-61C0D3BB859C}" type="datetimeFigureOut">
               <a:rPr lang="es-MX" smtClean="0"/>
-              <a:t>22/05/2015</a:t>
+              <a:t>24/05/2015</a:t>
             </a:fld>
             <a:endParaRPr lang="es-MX"/>
           </a:p>
@@ -3167,7 +3167,7 @@
           <a:p>
             <a:fld id="{683BDEE4-BE83-4406-A185-61C0D3BB859C}" type="datetimeFigureOut">
               <a:rPr lang="es-MX" smtClean="0"/>
-              <a:t>22/05/2015</a:t>
+              <a:t>24/05/2015</a:t>
             </a:fld>
             <a:endParaRPr lang="es-MX"/>
           </a:p>
@@ -4937,7 +4937,73 @@
             </a:r>
             <a:r>
               <a:rPr lang="es-MX" sz="3200" dirty="0" smtClean="0"/>
-              <a:t>excelente presentación, tomando en cuenta todos los aspectos para la auditoría informática.</a:t>
+              <a:t>excelente presentación, tomando en cuenta todos los aspectos para la auditoría informática</a:t>
+            </a:r>
+            <a:r>
+              <a:rPr lang="es-MX" sz="3200" dirty="0" smtClean="0"/>
+              <a:t>.</a:t>
+            </a:r>
+            <a:endParaRPr lang="es-MX" sz="3200" dirty="0"/>
+          </a:p>
+        </p:txBody>
+      </p:sp>
+      <p:sp>
+        <p:nvSpPr>
+          <p:cNvPr id="4" name="1 Título"/>
+          <p:cNvSpPr txBox="1">
+            <a:spLocks/>
+          </p:cNvSpPr>
+          <p:nvPr/>
+        </p:nvSpPr>
+        <p:spPr>
+          <a:xfrm>
+            <a:off x="475928" y="3140968"/>
+            <a:ext cx="8229600" cy="1143000"/>
+          </a:xfrm>
+          <a:prstGeom prst="rect">
+            <a:avLst/>
+          </a:prstGeom>
+        </p:spPr>
+        <p:txBody>
+          <a:bodyPr vert="horz" lIns="91440" tIns="45720" rIns="91440" bIns="45720" rtlCol="0" anchor="ctr">
+            <a:noAutofit/>
+          </a:bodyPr>
+          <a:lstStyle>
+            <a:lvl1pPr algn="ctr" defTabSz="914400" rtl="0" eaLnBrk="1" latinLnBrk="0" hangingPunct="1">
+              <a:spcBef>
+                <a:spcPct val="0"/>
+              </a:spcBef>
+              <a:buNone/>
+              <a:defRPr sz="4400" kern="1200">
+                <a:solidFill>
+                  <a:schemeClr val="tx1"/>
+                </a:solidFill>
+                <a:latin typeface="+mj-lt"/>
+                <a:ea typeface="+mj-ea"/>
+                <a:cs typeface="+mj-cs"/>
+              </a:defRPr>
+            </a:lvl1pPr>
+          </a:lstStyle>
+          <a:p>
+            <a:r>
+              <a:rPr lang="es-MX" sz="3200" dirty="0" smtClean="0">
+                <a:solidFill>
+                  <a:srgbClr val="FF0000"/>
+                </a:solidFill>
+              </a:rPr>
+              <a:t>Manuel: </a:t>
+            </a:r>
+            <a:r>
+              <a:rPr lang="es-MX" sz="3200" dirty="0" smtClean="0"/>
+              <a:t>gran </a:t>
+            </a:r>
+            <a:r>
+              <a:rPr lang="es-MX" sz="3200" dirty="0" err="1" smtClean="0"/>
+              <a:t>presentacion</a:t>
+            </a:r>
+            <a:r>
+              <a:rPr lang="es-MX" sz="3200" smtClean="0"/>
+              <a:t>…</a:t>
             </a:r>
             <a:endParaRPr lang="es-MX" sz="3200" dirty="0"/>
           </a:p>

--- a/OSCAR.pptx
+++ b/OSCAR.pptx
@@ -202,7 +202,7 @@
           <a:p>
             <a:fld id="{3F5876BB-E767-442D-98DA-88A25C75BD75}" type="datetimeFigureOut">
               <a:rPr lang="es-MX" smtClean="0"/>
-              <a:t>24/05/2015</a:t>
+              <a:t>25/05/2015</a:t>
             </a:fld>
             <a:endParaRPr lang="es-MX"/>
           </a:p>
@@ -735,7 +735,7 @@
           <a:p>
             <a:fld id="{683BDEE4-BE83-4406-A185-61C0D3BB859C}" type="datetimeFigureOut">
               <a:rPr lang="es-MX" smtClean="0"/>
-              <a:t>24/05/2015</a:t>
+              <a:t>25/05/2015</a:t>
             </a:fld>
             <a:endParaRPr lang="es-MX"/>
           </a:p>
@@ -905,7 +905,7 @@
           <a:p>
             <a:fld id="{683BDEE4-BE83-4406-A185-61C0D3BB859C}" type="datetimeFigureOut">
               <a:rPr lang="es-MX" smtClean="0"/>
-              <a:t>24/05/2015</a:t>
+              <a:t>25/05/2015</a:t>
             </a:fld>
             <a:endParaRPr lang="es-MX"/>
           </a:p>
@@ -1085,7 +1085,7 @@
           <a:p>
             <a:fld id="{683BDEE4-BE83-4406-A185-61C0D3BB859C}" type="datetimeFigureOut">
               <a:rPr lang="es-MX" smtClean="0"/>
-              <a:t>24/05/2015</a:t>
+              <a:t>25/05/2015</a:t>
             </a:fld>
             <a:endParaRPr lang="es-MX"/>
           </a:p>
@@ -1255,7 +1255,7 @@
           <a:p>
             <a:fld id="{683BDEE4-BE83-4406-A185-61C0D3BB859C}" type="datetimeFigureOut">
               <a:rPr lang="es-MX" smtClean="0"/>
-              <a:t>24/05/2015</a:t>
+              <a:t>25/05/2015</a:t>
             </a:fld>
             <a:endParaRPr lang="es-MX"/>
           </a:p>
@@ -1501,7 +1501,7 @@
           <a:p>
             <a:fld id="{683BDEE4-BE83-4406-A185-61C0D3BB859C}" type="datetimeFigureOut">
               <a:rPr lang="es-MX" smtClean="0"/>
-              <a:t>24/05/2015</a:t>
+              <a:t>25/05/2015</a:t>
             </a:fld>
             <a:endParaRPr lang="es-MX"/>
           </a:p>
@@ -1789,7 +1789,7 @@
           <a:p>
             <a:fld id="{683BDEE4-BE83-4406-A185-61C0D3BB859C}" type="datetimeFigureOut">
               <a:rPr lang="es-MX" smtClean="0"/>
-              <a:t>24/05/2015</a:t>
+              <a:t>25/05/2015</a:t>
             </a:fld>
             <a:endParaRPr lang="es-MX"/>
           </a:p>
@@ -2211,7 +2211,7 @@
           <a:p>
             <a:fld id="{683BDEE4-BE83-4406-A185-61C0D3BB859C}" type="datetimeFigureOut">
               <a:rPr lang="es-MX" smtClean="0"/>
-              <a:t>24/05/2015</a:t>
+              <a:t>25/05/2015</a:t>
             </a:fld>
             <a:endParaRPr lang="es-MX"/>
           </a:p>
@@ -2329,7 +2329,7 @@
           <a:p>
             <a:fld id="{683BDEE4-BE83-4406-A185-61C0D3BB859C}" type="datetimeFigureOut">
               <a:rPr lang="es-MX" smtClean="0"/>
-              <a:t>24/05/2015</a:t>
+              <a:t>25/05/2015</a:t>
             </a:fld>
             <a:endParaRPr lang="es-MX"/>
           </a:p>
@@ -2424,7 +2424,7 @@
           <a:p>
             <a:fld id="{683BDEE4-BE83-4406-A185-61C0D3BB859C}" type="datetimeFigureOut">
               <a:rPr lang="es-MX" smtClean="0"/>
-              <a:t>24/05/2015</a:t>
+              <a:t>25/05/2015</a:t>
             </a:fld>
             <a:endParaRPr lang="es-MX"/>
           </a:p>
@@ -2701,7 +2701,7 @@
           <a:p>
             <a:fld id="{683BDEE4-BE83-4406-A185-61C0D3BB859C}" type="datetimeFigureOut">
               <a:rPr lang="es-MX" smtClean="0"/>
-              <a:t>24/05/2015</a:t>
+              <a:t>25/05/2015</a:t>
             </a:fld>
             <a:endParaRPr lang="es-MX"/>
           </a:p>
@@ -2954,7 +2954,7 @@
           <a:p>
             <a:fld id="{683BDEE4-BE83-4406-A185-61C0D3BB859C}" type="datetimeFigureOut">
               <a:rPr lang="es-MX" smtClean="0"/>
-              <a:t>24/05/2015</a:t>
+              <a:t>25/05/2015</a:t>
             </a:fld>
             <a:endParaRPr lang="es-MX"/>
           </a:p>
@@ -3167,7 +3167,7 @@
           <a:p>
             <a:fld id="{683BDEE4-BE83-4406-A185-61C0D3BB859C}" type="datetimeFigureOut">
               <a:rPr lang="es-MX" smtClean="0"/>
-              <a:t>24/05/2015</a:t>
+              <a:t>25/05/2015</a:t>
             </a:fld>
             <a:endParaRPr lang="es-MX"/>
           </a:p>
@@ -4937,11 +4937,7 @@
             </a:r>
             <a:r>
               <a:rPr lang="es-MX" sz="3200" dirty="0" smtClean="0"/>
-              <a:t>excelente presentación, tomando en cuenta todos los aspectos para la auditoría informática</a:t>
-            </a:r>
-            <a:r>
-              <a:rPr lang="es-MX" sz="3200" dirty="0" smtClean="0"/>
-              <a:t>.</a:t>
+              <a:t>excelente presentación, tomando en cuenta todos los aspectos para la auditoría informática.</a:t>
             </a:r>
             <a:endParaRPr lang="es-MX" sz="3200" dirty="0"/>
           </a:p>
@@ -5002,7 +4998,69 @@
               <a:t>presentacion</a:t>
             </a:r>
             <a:r>
-              <a:rPr lang="es-MX" sz="3200" smtClean="0"/>
+              <a:rPr lang="es-MX" sz="3200" dirty="0" smtClean="0"/>
+              <a:t>…</a:t>
+            </a:r>
+            <a:endParaRPr lang="es-MX" sz="3200" dirty="0"/>
+          </a:p>
+        </p:txBody>
+      </p:sp>
+      <p:sp>
+        <p:nvSpPr>
+          <p:cNvPr id="6" name="1 Título"/>
+          <p:cNvSpPr txBox="1">
+            <a:spLocks/>
+          </p:cNvSpPr>
+          <p:nvPr/>
+        </p:nvSpPr>
+        <p:spPr>
+          <a:xfrm>
+            <a:off x="475928" y="4797152"/>
+            <a:ext cx="8229600" cy="1143000"/>
+          </a:xfrm>
+          <a:prstGeom prst="rect">
+            <a:avLst/>
+          </a:prstGeom>
+        </p:spPr>
+        <p:txBody>
+          <a:bodyPr vert="horz" lIns="91440" tIns="45720" rIns="91440" bIns="45720" rtlCol="0" anchor="ctr">
+            <a:noAutofit/>
+          </a:bodyPr>
+          <a:lstStyle>
+            <a:lvl1pPr algn="ctr" defTabSz="914400" rtl="0" eaLnBrk="1" latinLnBrk="0" hangingPunct="1">
+              <a:spcBef>
+                <a:spcPct val="0"/>
+              </a:spcBef>
+              <a:buNone/>
+              <a:defRPr sz="4400" kern="1200">
+                <a:solidFill>
+                  <a:schemeClr val="tx1"/>
+                </a:solidFill>
+                <a:latin typeface="+mj-lt"/>
+                <a:ea typeface="+mj-ea"/>
+                <a:cs typeface="+mj-cs"/>
+              </a:defRPr>
+            </a:lvl1pPr>
+          </a:lstStyle>
+          <a:p>
+            <a:r>
+              <a:rPr lang="es-MX" sz="3200" smtClean="0">
+                <a:solidFill>
+                  <a:srgbClr val="FF0000"/>
+                </a:solidFill>
+              </a:rPr>
+              <a:t>jonathan: </a:t>
+            </a:r>
+            <a:r>
+              <a:rPr lang="es-MX" sz="3200" dirty="0" smtClean="0"/>
+              <a:t>gran </a:t>
+            </a:r>
+            <a:r>
+              <a:rPr lang="es-MX" sz="3200" dirty="0" err="1" smtClean="0"/>
+              <a:t>presentacion</a:t>
+            </a:r>
+            <a:r>
+              <a:rPr lang="es-MX" sz="3200" dirty="0" smtClean="0"/>
               <a:t>…</a:t>
             </a:r>
             <a:endParaRPr lang="es-MX" sz="3200" dirty="0"/>

--- a/OSCAR.pptx
+++ b/OSCAR.pptx
@@ -202,7 +202,7 @@
           <a:p>
             <a:fld id="{3F5876BB-E767-442D-98DA-88A25C75BD75}" type="datetimeFigureOut">
               <a:rPr lang="es-MX" smtClean="0"/>
-              <a:t>25/05/2015</a:t>
+              <a:t>26/05/2015</a:t>
             </a:fld>
             <a:endParaRPr lang="es-MX"/>
           </a:p>
@@ -735,7 +735,7 @@
           <a:p>
             <a:fld id="{683BDEE4-BE83-4406-A185-61C0D3BB859C}" type="datetimeFigureOut">
               <a:rPr lang="es-MX" smtClean="0"/>
-              <a:t>25/05/2015</a:t>
+              <a:t>26/05/2015</a:t>
             </a:fld>
             <a:endParaRPr lang="es-MX"/>
           </a:p>
@@ -905,7 +905,7 @@
           <a:p>
             <a:fld id="{683BDEE4-BE83-4406-A185-61C0D3BB859C}" type="datetimeFigureOut">
               <a:rPr lang="es-MX" smtClean="0"/>
-              <a:t>25/05/2015</a:t>
+              <a:t>26/05/2015</a:t>
             </a:fld>
             <a:endParaRPr lang="es-MX"/>
           </a:p>
@@ -1085,7 +1085,7 @@
           <a:p>
             <a:fld id="{683BDEE4-BE83-4406-A185-61C0D3BB859C}" type="datetimeFigureOut">
               <a:rPr lang="es-MX" smtClean="0"/>
-              <a:t>25/05/2015</a:t>
+              <a:t>26/05/2015</a:t>
             </a:fld>
             <a:endParaRPr lang="es-MX"/>
           </a:p>
@@ -1255,7 +1255,7 @@
           <a:p>
             <a:fld id="{683BDEE4-BE83-4406-A185-61C0D3BB859C}" type="datetimeFigureOut">
               <a:rPr lang="es-MX" smtClean="0"/>
-              <a:t>25/05/2015</a:t>
+              <a:t>26/05/2015</a:t>
             </a:fld>
             <a:endParaRPr lang="es-MX"/>
           </a:p>
@@ -1501,7 +1501,7 @@
           <a:p>
             <a:fld id="{683BDEE4-BE83-4406-A185-61C0D3BB859C}" type="datetimeFigureOut">
               <a:rPr lang="es-MX" smtClean="0"/>
-              <a:t>25/05/2015</a:t>
+              <a:t>26/05/2015</a:t>
             </a:fld>
             <a:endParaRPr lang="es-MX"/>
           </a:p>
@@ -1789,7 +1789,7 @@
           <a:p>
             <a:fld id="{683BDEE4-BE83-4406-A185-61C0D3BB859C}" type="datetimeFigureOut">
               <a:rPr lang="es-MX" smtClean="0"/>
-              <a:t>25/05/2015</a:t>
+              <a:t>26/05/2015</a:t>
             </a:fld>
             <a:endParaRPr lang="es-MX"/>
           </a:p>
@@ -2211,7 +2211,7 @@
           <a:p>
             <a:fld id="{683BDEE4-BE83-4406-A185-61C0D3BB859C}" type="datetimeFigureOut">
               <a:rPr lang="es-MX" smtClean="0"/>
-              <a:t>25/05/2015</a:t>
+              <a:t>26/05/2015</a:t>
             </a:fld>
             <a:endParaRPr lang="es-MX"/>
           </a:p>
@@ -2329,7 +2329,7 @@
           <a:p>
             <a:fld id="{683BDEE4-BE83-4406-A185-61C0D3BB859C}" type="datetimeFigureOut">
               <a:rPr lang="es-MX" smtClean="0"/>
-              <a:t>25/05/2015</a:t>
+              <a:t>26/05/2015</a:t>
             </a:fld>
             <a:endParaRPr lang="es-MX"/>
           </a:p>
@@ -2424,7 +2424,7 @@
           <a:p>
             <a:fld id="{683BDEE4-BE83-4406-A185-61C0D3BB859C}" type="datetimeFigureOut">
               <a:rPr lang="es-MX" smtClean="0"/>
-              <a:t>25/05/2015</a:t>
+              <a:t>26/05/2015</a:t>
             </a:fld>
             <a:endParaRPr lang="es-MX"/>
           </a:p>
@@ -2701,7 +2701,7 @@
           <a:p>
             <a:fld id="{683BDEE4-BE83-4406-A185-61C0D3BB859C}" type="datetimeFigureOut">
               <a:rPr lang="es-MX" smtClean="0"/>
-              <a:t>25/05/2015</a:t>
+              <a:t>26/05/2015</a:t>
             </a:fld>
             <a:endParaRPr lang="es-MX"/>
           </a:p>
@@ -2954,7 +2954,7 @@
           <a:p>
             <a:fld id="{683BDEE4-BE83-4406-A185-61C0D3BB859C}" type="datetimeFigureOut">
               <a:rPr lang="es-MX" smtClean="0"/>
-              <a:t>25/05/2015</a:t>
+              <a:t>26/05/2015</a:t>
             </a:fld>
             <a:endParaRPr lang="es-MX"/>
           </a:p>
@@ -3167,7 +3167,7 @@
           <a:p>
             <a:fld id="{683BDEE4-BE83-4406-A185-61C0D3BB859C}" type="datetimeFigureOut">
               <a:rPr lang="es-MX" smtClean="0"/>
-              <a:t>25/05/2015</a:t>
+              <a:t>26/05/2015</a:t>
             </a:fld>
             <a:endParaRPr lang="es-MX"/>
           </a:p>
@@ -5044,12 +5044,82 @@
           </a:lstStyle>
           <a:p>
             <a:r>
-              <a:rPr lang="es-MX" sz="3200" smtClean="0">
+              <a:rPr lang="es-MX" sz="3200" dirty="0" err="1" smtClean="0">
                 <a:solidFill>
                   <a:srgbClr val="FF0000"/>
                 </a:solidFill>
               </a:rPr>
-              <a:t>jonathan: </a:t>
+              <a:t>jonathan</a:t>
+            </a:r>
+            <a:r>
+              <a:rPr lang="es-MX" sz="3200" dirty="0" smtClean="0">
+                <a:solidFill>
+                  <a:srgbClr val="FF0000"/>
+                </a:solidFill>
+              </a:rPr>
+              <a:t>: </a:t>
+            </a:r>
+            <a:r>
+              <a:rPr lang="es-MX" sz="3200" dirty="0" smtClean="0"/>
+              <a:t>gran </a:t>
+            </a:r>
+            <a:r>
+              <a:rPr lang="es-MX" sz="3200" dirty="0" err="1" smtClean="0"/>
+              <a:t>presentacion</a:t>
+            </a:r>
+            <a:r>
+              <a:rPr lang="es-MX" sz="3200" dirty="0" smtClean="0"/>
+              <a:t>…</a:t>
+            </a:r>
+            <a:endParaRPr lang="es-MX" sz="3200" dirty="0"/>
+          </a:p>
+        </p:txBody>
+      </p:sp>
+      <p:sp>
+        <p:nvSpPr>
+          <p:cNvPr id="7" name="1 Título"/>
+          <p:cNvSpPr txBox="1">
+            <a:spLocks/>
+          </p:cNvSpPr>
+          <p:nvPr/>
+        </p:nvSpPr>
+        <p:spPr>
+          <a:xfrm>
+            <a:off x="488079" y="5730596"/>
+            <a:ext cx="8229600" cy="1143000"/>
+          </a:xfrm>
+          <a:prstGeom prst="rect">
+            <a:avLst/>
+          </a:prstGeom>
+        </p:spPr>
+        <p:txBody>
+          <a:bodyPr vert="horz" lIns="91440" tIns="45720" rIns="91440" bIns="45720" rtlCol="0" anchor="ctr">
+            <a:noAutofit/>
+          </a:bodyPr>
+          <a:lstStyle>
+            <a:lvl1pPr algn="ctr" defTabSz="914400" rtl="0" eaLnBrk="1" latinLnBrk="0" hangingPunct="1">
+              <a:spcBef>
+                <a:spcPct val="0"/>
+              </a:spcBef>
+              <a:buNone/>
+              <a:defRPr sz="4400" kern="1200">
+                <a:solidFill>
+                  <a:schemeClr val="tx1"/>
+                </a:solidFill>
+                <a:latin typeface="+mj-lt"/>
+                <a:ea typeface="+mj-ea"/>
+                <a:cs typeface="+mj-cs"/>
+              </a:defRPr>
+            </a:lvl1pPr>
+          </a:lstStyle>
+          <a:p>
+            <a:r>
+              <a:rPr lang="es-MX" sz="3200" dirty="0" smtClean="0">
+                <a:solidFill>
+                  <a:srgbClr val="FF0000"/>
+                </a:solidFill>
+              </a:rPr>
+              <a:t>Manuel: </a:t>
             </a:r>
             <a:r>
               <a:rPr lang="es-MX" sz="3200" dirty="0" smtClean="0"/>

--- a/OSCAR.pptx
+++ b/OSCAR.pptx
@@ -4990,16 +4990,12 @@
               <a:t>Manuel: </a:t>
             </a:r>
             <a:r>
-              <a:rPr lang="es-MX" sz="3200" dirty="0" smtClean="0"/>
+              <a:rPr lang="es-MX" sz="3200" smtClean="0"/>
               <a:t>gran </a:t>
             </a:r>
             <a:r>
-              <a:rPr lang="es-MX" sz="3200" dirty="0" err="1" smtClean="0"/>
-              <a:t>presentacion</a:t>
-            </a:r>
-            <a:r>
-              <a:rPr lang="es-MX" sz="3200" dirty="0" smtClean="0"/>
-              <a:t>…</a:t>
+              <a:rPr lang="es-MX" sz="3200" smtClean="0"/>
+              <a:t>presentación…</a:t>
             </a:r>
             <a:endParaRPr lang="es-MX" sz="3200" dirty="0"/>
           </a:p>
@@ -5044,32 +5040,20 @@
           </a:lstStyle>
           <a:p>
             <a:r>
-              <a:rPr lang="es-MX" sz="3200" dirty="0" err="1" smtClean="0">
+              <a:rPr lang="es-MX" sz="3200" dirty="0" smtClean="0">
                 <a:solidFill>
                   <a:srgbClr val="FF0000"/>
                 </a:solidFill>
               </a:rPr>
-              <a:t>jonathan</a:t>
-            </a:r>
-            <a:r>
-              <a:rPr lang="es-MX" sz="3200" dirty="0" smtClean="0">
-                <a:solidFill>
-                  <a:srgbClr val="FF0000"/>
-                </a:solidFill>
-              </a:rPr>
-              <a:t>: </a:t>
+              <a:t>Jonathan: </a:t>
             </a:r>
             <a:r>
               <a:rPr lang="es-MX" sz="3200" dirty="0" smtClean="0"/>
               <a:t>gran </a:t>
             </a:r>
             <a:r>
-              <a:rPr lang="es-MX" sz="3200" dirty="0" err="1" smtClean="0"/>
-              <a:t>presentacion</a:t>
-            </a:r>
-            <a:r>
               <a:rPr lang="es-MX" sz="3200" dirty="0" smtClean="0"/>
-              <a:t>…</a:t>
+              <a:t>presentación…</a:t>
             </a:r>
             <a:endParaRPr lang="es-MX" sz="3200" dirty="0"/>
           </a:p>
@@ -5123,15 +5107,15 @@
             </a:r>
             <a:r>
               <a:rPr lang="es-MX" sz="3200" dirty="0" smtClean="0"/>
-              <a:t>gran </a:t>
-            </a:r>
-            <a:r>
-              <a:rPr lang="es-MX" sz="3200" dirty="0" err="1" smtClean="0"/>
-              <a:t>presentacion</a:t>
+              <a:t>no se </a:t>
+            </a:r>
+            <a:r>
+              <a:rPr lang="es-MX" sz="3200" dirty="0"/>
+              <a:t>como que le falta algo a su </a:t>
             </a:r>
             <a:r>
               <a:rPr lang="es-MX" sz="3200" dirty="0" smtClean="0"/>
-              <a:t>…</a:t>
+              <a:t>presentación óscar…</a:t>
             </a:r>
             <a:endParaRPr lang="es-MX" sz="3200" dirty="0"/>
           </a:p>

--- a/OSCAR.pptx
+++ b/OSCAR.pptx
@@ -4953,7 +4953,7 @@
         </p:nvSpPr>
         <p:spPr>
           <a:xfrm>
-            <a:off x="475928" y="3140968"/>
+            <a:off x="475928" y="2852936"/>
             <a:ext cx="8229600" cy="1143000"/>
           </a:xfrm>
           <a:prstGeom prst="rect">
@@ -4990,12 +4990,8 @@
               <a:t>Manuel: </a:t>
             </a:r>
             <a:r>
-              <a:rPr lang="es-MX" sz="3200" smtClean="0"/>
-              <a:t>gran </a:t>
-            </a:r>
-            <a:r>
-              <a:rPr lang="es-MX" sz="3200" smtClean="0"/>
-              <a:t>presentación…</a:t>
+              <a:rPr lang="es-MX" sz="3200" dirty="0" smtClean="0"/>
+              <a:t>gran presentación…</a:t>
             </a:r>
             <a:endParaRPr lang="es-MX" sz="3200" dirty="0"/>
           </a:p>
@@ -5011,7 +5007,7 @@
         </p:nvSpPr>
         <p:spPr>
           <a:xfrm>
-            <a:off x="475928" y="4797152"/>
+            <a:off x="446553" y="3789040"/>
             <a:ext cx="8229600" cy="1143000"/>
           </a:xfrm>
           <a:prstGeom prst="rect">
@@ -5049,11 +5045,7 @@
             </a:r>
             <a:r>
               <a:rPr lang="es-MX" sz="3200" dirty="0" smtClean="0"/>
-              <a:t>gran </a:t>
-            </a:r>
-            <a:r>
-              <a:rPr lang="es-MX" sz="3200" dirty="0" smtClean="0"/>
-              <a:t>presentación…</a:t>
+              <a:t>gran presentación…</a:t>
             </a:r>
             <a:endParaRPr lang="es-MX" sz="3200" dirty="0"/>
           </a:p>
@@ -5069,7 +5061,7 @@
         </p:nvSpPr>
         <p:spPr>
           <a:xfrm>
-            <a:off x="488079" y="5730596"/>
+            <a:off x="475928" y="4587596"/>
             <a:ext cx="8229600" cy="1143000"/>
           </a:xfrm>
           <a:prstGeom prst="rect">
@@ -5116,6 +5108,68 @@
             <a:r>
               <a:rPr lang="es-MX" sz="3200" dirty="0" smtClean="0"/>
               <a:t>presentación óscar…</a:t>
+            </a:r>
+            <a:endParaRPr lang="es-MX" sz="3200" dirty="0"/>
+          </a:p>
+        </p:txBody>
+      </p:sp>
+      <p:sp>
+        <p:nvSpPr>
+          <p:cNvPr id="8" name="1 Título"/>
+          <p:cNvSpPr txBox="1">
+            <a:spLocks/>
+          </p:cNvSpPr>
+          <p:nvPr/>
+        </p:nvSpPr>
+        <p:spPr>
+          <a:xfrm>
+            <a:off x="657284" y="5682105"/>
+            <a:ext cx="8229600" cy="1143000"/>
+          </a:xfrm>
+          <a:prstGeom prst="rect">
+            <a:avLst/>
+          </a:prstGeom>
+        </p:spPr>
+        <p:txBody>
+          <a:bodyPr vert="horz" lIns="91440" tIns="45720" rIns="91440" bIns="45720" rtlCol="0" anchor="ctr">
+            <a:noAutofit/>
+          </a:bodyPr>
+          <a:lstStyle>
+            <a:lvl1pPr algn="ctr" defTabSz="914400" rtl="0" eaLnBrk="1" latinLnBrk="0" hangingPunct="1">
+              <a:spcBef>
+                <a:spcPct val="0"/>
+              </a:spcBef>
+              <a:buNone/>
+              <a:defRPr sz="4400" kern="1200">
+                <a:solidFill>
+                  <a:schemeClr val="tx1"/>
+                </a:solidFill>
+                <a:latin typeface="+mj-lt"/>
+                <a:ea typeface="+mj-ea"/>
+                <a:cs typeface="+mj-cs"/>
+              </a:defRPr>
+            </a:lvl1pPr>
+          </a:lstStyle>
+          <a:p>
+            <a:r>
+              <a:rPr lang="es-MX" sz="3200" dirty="0" smtClean="0">
+                <a:solidFill>
+                  <a:srgbClr val="FF0000"/>
+                </a:solidFill>
+              </a:rPr>
+              <a:t>David</a:t>
+            </a:r>
+            <a:r>
+              <a:rPr lang="es-MX" sz="3200" dirty="0" smtClean="0">
+                <a:solidFill>
+                  <a:srgbClr val="FF0000"/>
+                </a:solidFill>
+              </a:rPr>
+              <a:t>: </a:t>
+            </a:r>
+            <a:r>
+              <a:rPr lang="es-MX" sz="3200" dirty="0" smtClean="0"/>
+              <a:t>muy completo</a:t>
             </a:r>
             <a:endParaRPr lang="es-MX" sz="3200" dirty="0"/>
           </a:p>

--- a/OSCAR.pptx
+++ b/OSCAR.pptx
@@ -202,7 +202,8 @@
           <a:p>
             <a:fld id="{3F5876BB-E767-442D-98DA-88A25C75BD75}" type="datetimeFigureOut">
               <a:rPr lang="es-MX" smtClean="0"/>
-              <a:t>26/05/2015</a:t>
+              <a:pPr/>
+              <a:t>27/05/2015</a:t>
             </a:fld>
             <a:endParaRPr lang="es-MX"/>
           </a:p>
@@ -361,6 +362,7 @@
           <a:p>
             <a:fld id="{C1BBD7B2-9A10-4A8C-B685-4D6330197801}" type="slidenum">
               <a:rPr lang="es-MX" smtClean="0"/>
+              <a:pPr/>
               <a:t>‹Nº›</a:t>
             </a:fld>
             <a:endParaRPr lang="es-MX"/>
@@ -370,7 +372,7 @@
     </p:spTree>
     <p:extLst>
       <p:ext uri="{BB962C8B-B14F-4D97-AF65-F5344CB8AC3E}">
-        <p14:creationId xmlns:p14="http://schemas.microsoft.com/office/powerpoint/2010/main" val="911104179"/>
+        <p14:creationId xmlns:p14="http://schemas.microsoft.com/office/powerpoint/2010/main" xmlns="" val="911104179"/>
       </p:ext>
     </p:extLst>
   </p:cSld>
@@ -535,6 +537,7 @@
           <a:p>
             <a:fld id="{C1BBD7B2-9A10-4A8C-B685-4D6330197801}" type="slidenum">
               <a:rPr lang="es-MX" smtClean="0"/>
+              <a:pPr/>
               <a:t>4</a:t>
             </a:fld>
             <a:endParaRPr lang="es-MX"/>
@@ -544,7 +547,7 @@
     </p:spTree>
     <p:extLst>
       <p:ext uri="{BB962C8B-B14F-4D97-AF65-F5344CB8AC3E}">
-        <p14:creationId xmlns:p14="http://schemas.microsoft.com/office/powerpoint/2010/main" val="1837513362"/>
+        <p14:creationId xmlns:p14="http://schemas.microsoft.com/office/powerpoint/2010/main" xmlns="" val="1837513362"/>
       </p:ext>
     </p:extLst>
   </p:cSld>
@@ -735,7 +738,8 @@
           <a:p>
             <a:fld id="{683BDEE4-BE83-4406-A185-61C0D3BB859C}" type="datetimeFigureOut">
               <a:rPr lang="es-MX" smtClean="0"/>
-              <a:t>26/05/2015</a:t>
+              <a:pPr/>
+              <a:t>27/05/2015</a:t>
             </a:fld>
             <a:endParaRPr lang="es-MX"/>
           </a:p>
@@ -777,6 +781,7 @@
           <a:p>
             <a:fld id="{6F36FFD0-6173-415A-A050-ED0286B000F4}" type="slidenum">
               <a:rPr lang="es-MX" smtClean="0"/>
+              <a:pPr/>
               <a:t>‹Nº›</a:t>
             </a:fld>
             <a:endParaRPr lang="es-MX"/>
@@ -786,7 +791,7 @@
     </p:spTree>
     <p:extLst>
       <p:ext uri="{BB962C8B-B14F-4D97-AF65-F5344CB8AC3E}">
-        <p14:creationId xmlns:p14="http://schemas.microsoft.com/office/powerpoint/2010/main" val="3827054173"/>
+        <p14:creationId xmlns:p14="http://schemas.microsoft.com/office/powerpoint/2010/main" xmlns="" val="3827054173"/>
       </p:ext>
     </p:extLst>
   </p:cSld>
@@ -905,7 +910,8 @@
           <a:p>
             <a:fld id="{683BDEE4-BE83-4406-A185-61C0D3BB859C}" type="datetimeFigureOut">
               <a:rPr lang="es-MX" smtClean="0"/>
-              <a:t>26/05/2015</a:t>
+              <a:pPr/>
+              <a:t>27/05/2015</a:t>
             </a:fld>
             <a:endParaRPr lang="es-MX"/>
           </a:p>
@@ -947,6 +953,7 @@
           <a:p>
             <a:fld id="{6F36FFD0-6173-415A-A050-ED0286B000F4}" type="slidenum">
               <a:rPr lang="es-MX" smtClean="0"/>
+              <a:pPr/>
               <a:t>‹Nº›</a:t>
             </a:fld>
             <a:endParaRPr lang="es-MX"/>
@@ -956,7 +963,7 @@
     </p:spTree>
     <p:extLst>
       <p:ext uri="{BB962C8B-B14F-4D97-AF65-F5344CB8AC3E}">
-        <p14:creationId xmlns:p14="http://schemas.microsoft.com/office/powerpoint/2010/main" val="3936208042"/>
+        <p14:creationId xmlns:p14="http://schemas.microsoft.com/office/powerpoint/2010/main" xmlns="" val="3936208042"/>
       </p:ext>
     </p:extLst>
   </p:cSld>
@@ -1085,7 +1092,8 @@
           <a:p>
             <a:fld id="{683BDEE4-BE83-4406-A185-61C0D3BB859C}" type="datetimeFigureOut">
               <a:rPr lang="es-MX" smtClean="0"/>
-              <a:t>26/05/2015</a:t>
+              <a:pPr/>
+              <a:t>27/05/2015</a:t>
             </a:fld>
             <a:endParaRPr lang="es-MX"/>
           </a:p>
@@ -1127,6 +1135,7 @@
           <a:p>
             <a:fld id="{6F36FFD0-6173-415A-A050-ED0286B000F4}" type="slidenum">
               <a:rPr lang="es-MX" smtClean="0"/>
+              <a:pPr/>
               <a:t>‹Nº›</a:t>
             </a:fld>
             <a:endParaRPr lang="es-MX"/>
@@ -1136,7 +1145,7 @@
     </p:spTree>
     <p:extLst>
       <p:ext uri="{BB962C8B-B14F-4D97-AF65-F5344CB8AC3E}">
-        <p14:creationId xmlns:p14="http://schemas.microsoft.com/office/powerpoint/2010/main" val="3518867254"/>
+        <p14:creationId xmlns:p14="http://schemas.microsoft.com/office/powerpoint/2010/main" xmlns="" val="3518867254"/>
       </p:ext>
     </p:extLst>
   </p:cSld>
@@ -1255,7 +1264,8 @@
           <a:p>
             <a:fld id="{683BDEE4-BE83-4406-A185-61C0D3BB859C}" type="datetimeFigureOut">
               <a:rPr lang="es-MX" smtClean="0"/>
-              <a:t>26/05/2015</a:t>
+              <a:pPr/>
+              <a:t>27/05/2015</a:t>
             </a:fld>
             <a:endParaRPr lang="es-MX"/>
           </a:p>
@@ -1297,6 +1307,7 @@
           <a:p>
             <a:fld id="{6F36FFD0-6173-415A-A050-ED0286B000F4}" type="slidenum">
               <a:rPr lang="es-MX" smtClean="0"/>
+              <a:pPr/>
               <a:t>‹Nº›</a:t>
             </a:fld>
             <a:endParaRPr lang="es-MX"/>
@@ -1306,7 +1317,7 @@
     </p:spTree>
     <p:extLst>
       <p:ext uri="{BB962C8B-B14F-4D97-AF65-F5344CB8AC3E}">
-        <p14:creationId xmlns:p14="http://schemas.microsoft.com/office/powerpoint/2010/main" val="3197977411"/>
+        <p14:creationId xmlns:p14="http://schemas.microsoft.com/office/powerpoint/2010/main" xmlns="" val="3197977411"/>
       </p:ext>
     </p:extLst>
   </p:cSld>
@@ -1501,7 +1512,8 @@
           <a:p>
             <a:fld id="{683BDEE4-BE83-4406-A185-61C0D3BB859C}" type="datetimeFigureOut">
               <a:rPr lang="es-MX" smtClean="0"/>
-              <a:t>26/05/2015</a:t>
+              <a:pPr/>
+              <a:t>27/05/2015</a:t>
             </a:fld>
             <a:endParaRPr lang="es-MX"/>
           </a:p>
@@ -1543,6 +1555,7 @@
           <a:p>
             <a:fld id="{6F36FFD0-6173-415A-A050-ED0286B000F4}" type="slidenum">
               <a:rPr lang="es-MX" smtClean="0"/>
+              <a:pPr/>
               <a:t>‹Nº›</a:t>
             </a:fld>
             <a:endParaRPr lang="es-MX"/>
@@ -1552,7 +1565,7 @@
     </p:spTree>
     <p:extLst>
       <p:ext uri="{BB962C8B-B14F-4D97-AF65-F5344CB8AC3E}">
-        <p14:creationId xmlns:p14="http://schemas.microsoft.com/office/powerpoint/2010/main" val="830809944"/>
+        <p14:creationId xmlns:p14="http://schemas.microsoft.com/office/powerpoint/2010/main" xmlns="" val="830809944"/>
       </p:ext>
     </p:extLst>
   </p:cSld>
@@ -1789,7 +1802,8 @@
           <a:p>
             <a:fld id="{683BDEE4-BE83-4406-A185-61C0D3BB859C}" type="datetimeFigureOut">
               <a:rPr lang="es-MX" smtClean="0"/>
-              <a:t>26/05/2015</a:t>
+              <a:pPr/>
+              <a:t>27/05/2015</a:t>
             </a:fld>
             <a:endParaRPr lang="es-MX"/>
           </a:p>
@@ -1831,6 +1845,7 @@
           <a:p>
             <a:fld id="{6F36FFD0-6173-415A-A050-ED0286B000F4}" type="slidenum">
               <a:rPr lang="es-MX" smtClean="0"/>
+              <a:pPr/>
               <a:t>‹Nº›</a:t>
             </a:fld>
             <a:endParaRPr lang="es-MX"/>
@@ -1840,7 +1855,7 @@
     </p:spTree>
     <p:extLst>
       <p:ext uri="{BB962C8B-B14F-4D97-AF65-F5344CB8AC3E}">
-        <p14:creationId xmlns:p14="http://schemas.microsoft.com/office/powerpoint/2010/main" val="1626925444"/>
+        <p14:creationId xmlns:p14="http://schemas.microsoft.com/office/powerpoint/2010/main" xmlns="" val="1626925444"/>
       </p:ext>
     </p:extLst>
   </p:cSld>
@@ -2211,7 +2226,8 @@
           <a:p>
             <a:fld id="{683BDEE4-BE83-4406-A185-61C0D3BB859C}" type="datetimeFigureOut">
               <a:rPr lang="es-MX" smtClean="0"/>
-              <a:t>26/05/2015</a:t>
+              <a:pPr/>
+              <a:t>27/05/2015</a:t>
             </a:fld>
             <a:endParaRPr lang="es-MX"/>
           </a:p>
@@ -2253,6 +2269,7 @@
           <a:p>
             <a:fld id="{6F36FFD0-6173-415A-A050-ED0286B000F4}" type="slidenum">
               <a:rPr lang="es-MX" smtClean="0"/>
+              <a:pPr/>
               <a:t>‹Nº›</a:t>
             </a:fld>
             <a:endParaRPr lang="es-MX"/>
@@ -2262,7 +2279,7 @@
     </p:spTree>
     <p:extLst>
       <p:ext uri="{BB962C8B-B14F-4D97-AF65-F5344CB8AC3E}">
-        <p14:creationId xmlns:p14="http://schemas.microsoft.com/office/powerpoint/2010/main" val="2189432126"/>
+        <p14:creationId xmlns:p14="http://schemas.microsoft.com/office/powerpoint/2010/main" xmlns="" val="2189432126"/>
       </p:ext>
     </p:extLst>
   </p:cSld>
@@ -2329,7 +2346,8 @@
           <a:p>
             <a:fld id="{683BDEE4-BE83-4406-A185-61C0D3BB859C}" type="datetimeFigureOut">
               <a:rPr lang="es-MX" smtClean="0"/>
-              <a:t>26/05/2015</a:t>
+              <a:pPr/>
+              <a:t>27/05/2015</a:t>
             </a:fld>
             <a:endParaRPr lang="es-MX"/>
           </a:p>
@@ -2371,6 +2389,7 @@
           <a:p>
             <a:fld id="{6F36FFD0-6173-415A-A050-ED0286B000F4}" type="slidenum">
               <a:rPr lang="es-MX" smtClean="0"/>
+              <a:pPr/>
               <a:t>‹Nº›</a:t>
             </a:fld>
             <a:endParaRPr lang="es-MX"/>
@@ -2380,7 +2399,7 @@
     </p:spTree>
     <p:extLst>
       <p:ext uri="{BB962C8B-B14F-4D97-AF65-F5344CB8AC3E}">
-        <p14:creationId xmlns:p14="http://schemas.microsoft.com/office/powerpoint/2010/main" val="1702711755"/>
+        <p14:creationId xmlns:p14="http://schemas.microsoft.com/office/powerpoint/2010/main" xmlns="" val="1702711755"/>
       </p:ext>
     </p:extLst>
   </p:cSld>
@@ -2424,7 +2443,8 @@
           <a:p>
             <a:fld id="{683BDEE4-BE83-4406-A185-61C0D3BB859C}" type="datetimeFigureOut">
               <a:rPr lang="es-MX" smtClean="0"/>
-              <a:t>26/05/2015</a:t>
+              <a:pPr/>
+              <a:t>27/05/2015</a:t>
             </a:fld>
             <a:endParaRPr lang="es-MX"/>
           </a:p>
@@ -2466,6 +2486,7 @@
           <a:p>
             <a:fld id="{6F36FFD0-6173-415A-A050-ED0286B000F4}" type="slidenum">
               <a:rPr lang="es-MX" smtClean="0"/>
+              <a:pPr/>
               <a:t>‹Nº›</a:t>
             </a:fld>
             <a:endParaRPr lang="es-MX"/>
@@ -2475,7 +2496,7 @@
     </p:spTree>
     <p:extLst>
       <p:ext uri="{BB962C8B-B14F-4D97-AF65-F5344CB8AC3E}">
-        <p14:creationId xmlns:p14="http://schemas.microsoft.com/office/powerpoint/2010/main" val="586808412"/>
+        <p14:creationId xmlns:p14="http://schemas.microsoft.com/office/powerpoint/2010/main" xmlns="" val="586808412"/>
       </p:ext>
     </p:extLst>
   </p:cSld>
@@ -2701,7 +2722,8 @@
           <a:p>
             <a:fld id="{683BDEE4-BE83-4406-A185-61C0D3BB859C}" type="datetimeFigureOut">
               <a:rPr lang="es-MX" smtClean="0"/>
-              <a:t>26/05/2015</a:t>
+              <a:pPr/>
+              <a:t>27/05/2015</a:t>
             </a:fld>
             <a:endParaRPr lang="es-MX"/>
           </a:p>
@@ -2743,6 +2765,7 @@
           <a:p>
             <a:fld id="{6F36FFD0-6173-415A-A050-ED0286B000F4}" type="slidenum">
               <a:rPr lang="es-MX" smtClean="0"/>
+              <a:pPr/>
               <a:t>‹Nº›</a:t>
             </a:fld>
             <a:endParaRPr lang="es-MX"/>
@@ -2752,7 +2775,7 @@
     </p:spTree>
     <p:extLst>
       <p:ext uri="{BB962C8B-B14F-4D97-AF65-F5344CB8AC3E}">
-        <p14:creationId xmlns:p14="http://schemas.microsoft.com/office/powerpoint/2010/main" val="1145503310"/>
+        <p14:creationId xmlns:p14="http://schemas.microsoft.com/office/powerpoint/2010/main" xmlns="" val="1145503310"/>
       </p:ext>
     </p:extLst>
   </p:cSld>
@@ -2954,7 +2977,8 @@
           <a:p>
             <a:fld id="{683BDEE4-BE83-4406-A185-61C0D3BB859C}" type="datetimeFigureOut">
               <a:rPr lang="es-MX" smtClean="0"/>
-              <a:t>26/05/2015</a:t>
+              <a:pPr/>
+              <a:t>27/05/2015</a:t>
             </a:fld>
             <a:endParaRPr lang="es-MX"/>
           </a:p>
@@ -2996,6 +3020,7 @@
           <a:p>
             <a:fld id="{6F36FFD0-6173-415A-A050-ED0286B000F4}" type="slidenum">
               <a:rPr lang="es-MX" smtClean="0"/>
+              <a:pPr/>
               <a:t>‹Nº›</a:t>
             </a:fld>
             <a:endParaRPr lang="es-MX"/>
@@ -3005,7 +3030,7 @@
     </p:spTree>
     <p:extLst>
       <p:ext uri="{BB962C8B-B14F-4D97-AF65-F5344CB8AC3E}">
-        <p14:creationId xmlns:p14="http://schemas.microsoft.com/office/powerpoint/2010/main" val="2732390697"/>
+        <p14:creationId xmlns:p14="http://schemas.microsoft.com/office/powerpoint/2010/main" xmlns="" val="2732390697"/>
       </p:ext>
     </p:extLst>
   </p:cSld>
@@ -3167,7 +3192,8 @@
           <a:p>
             <a:fld id="{683BDEE4-BE83-4406-A185-61C0D3BB859C}" type="datetimeFigureOut">
               <a:rPr lang="es-MX" smtClean="0"/>
-              <a:t>26/05/2015</a:t>
+              <a:pPr/>
+              <a:t>27/05/2015</a:t>
             </a:fld>
             <a:endParaRPr lang="es-MX"/>
           </a:p>
@@ -3245,6 +3271,7 @@
           <a:p>
             <a:fld id="{6F36FFD0-6173-415A-A050-ED0286B000F4}" type="slidenum">
               <a:rPr lang="es-MX" smtClean="0"/>
+              <a:pPr/>
               <a:t>‹Nº›</a:t>
             </a:fld>
             <a:endParaRPr lang="es-MX"/>
@@ -3254,7 +3281,7 @@
     </p:spTree>
     <p:extLst>
       <p:ext uri="{BB962C8B-B14F-4D97-AF65-F5344CB8AC3E}">
-        <p14:creationId xmlns:p14="http://schemas.microsoft.com/office/powerpoint/2010/main" val="3429544052"/>
+        <p14:creationId xmlns:p14="http://schemas.microsoft.com/office/powerpoint/2010/main" xmlns="" val="3429544052"/>
       </p:ext>
     </p:extLst>
   </p:cSld>
@@ -3715,7 +3742,7 @@
           <a:noFill/>
           <a:extLst>
             <a:ext uri="{909E8E84-426E-40DD-AFC4-6F175D3DCCD1}">
-              <a14:hiddenFill xmlns:a14="http://schemas.microsoft.com/office/drawing/2010/main">
+              <a14:hiddenFill xmlns:a14="http://schemas.microsoft.com/office/drawing/2010/main" xmlns="">
                 <a:solidFill>
                   <a:srgbClr val="FFFFFF"/>
                 </a:solidFill>
@@ -3747,7 +3774,7 @@
           <a:blip r:embed="rId2">
             <a:extLst>
               <a:ext uri="{28A0092B-C50C-407E-A947-70E740481C1C}">
-                <a14:useLocalDpi xmlns:a14="http://schemas.microsoft.com/office/drawing/2010/main" val="0"/>
+                <a14:useLocalDpi xmlns:a14="http://schemas.microsoft.com/office/drawing/2010/main" xmlns="" val="0"/>
               </a:ext>
             </a:extLst>
           </a:blip>
@@ -4038,7 +4065,7 @@
     </p:spTree>
     <p:extLst>
       <p:ext uri="{BB962C8B-B14F-4D97-AF65-F5344CB8AC3E}">
-        <p14:creationId xmlns:p14="http://schemas.microsoft.com/office/powerpoint/2010/main" val="2940712804"/>
+        <p14:creationId xmlns:p14="http://schemas.microsoft.com/office/powerpoint/2010/main" xmlns="" val="2940712804"/>
       </p:ext>
     </p:extLst>
   </p:cSld>
@@ -4515,7 +4542,7 @@
           <a:blip r:embed="rId2">
             <a:extLst>
               <a:ext uri="{28A0092B-C50C-407E-A947-70E740481C1C}">
-                <a14:useLocalDpi xmlns:a14="http://schemas.microsoft.com/office/drawing/2010/main" val="0"/>
+                <a14:useLocalDpi xmlns:a14="http://schemas.microsoft.com/office/drawing/2010/main" xmlns="" val="0"/>
               </a:ext>
             </a:extLst>
           </a:blip>
@@ -4816,7 +4843,7 @@
     </p:spTree>
     <p:extLst>
       <p:ext uri="{BB962C8B-B14F-4D97-AF65-F5344CB8AC3E}">
-        <p14:creationId xmlns:p14="http://schemas.microsoft.com/office/powerpoint/2010/main" val="17298753"/>
+        <p14:creationId xmlns:p14="http://schemas.microsoft.com/office/powerpoint/2010/main" xmlns="" val="17298753"/>
       </p:ext>
     </p:extLst>
   </p:cSld>
@@ -5045,7 +5072,33 @@
             </a:r>
             <a:r>
               <a:rPr lang="es-MX" sz="3200" dirty="0" smtClean="0"/>
-              <a:t>gran presentación…</a:t>
+              <a:t>gran presentación</a:t>
+            </a:r>
+            <a:r>
+              <a:rPr lang="es-MX" sz="3200" dirty="0" smtClean="0"/>
+              <a:t>…</a:t>
+            </a:r>
+          </a:p>
+          <a:p>
+            <a:r>
+              <a:rPr lang="es-MX" sz="3200" b="1" dirty="0" smtClean="0">
+                <a:solidFill>
+                  <a:srgbClr val="FF0000"/>
+                </a:solidFill>
+              </a:rPr>
+              <a:t>Vicente:</a:t>
+            </a:r>
+            <a:r>
+              <a:rPr lang="es-MX" sz="3200" dirty="0" smtClean="0"/>
+              <a:t> Muy buena </a:t>
+            </a:r>
+            <a:r>
+              <a:rPr lang="es-MX" sz="3200" dirty="0" err="1" smtClean="0"/>
+              <a:t>presentacion</a:t>
+            </a:r>
+            <a:r>
+              <a:rPr lang="es-MX" sz="3200" dirty="0" smtClean="0"/>
+              <a:t>.</a:t>
             </a:r>
             <a:endParaRPr lang="es-MX" sz="3200" dirty="0"/>
           </a:p>
@@ -5157,15 +5210,7 @@
                   <a:srgbClr val="FF0000"/>
                 </a:solidFill>
               </a:rPr>
-              <a:t>David</a:t>
-            </a:r>
-            <a:r>
-              <a:rPr lang="es-MX" sz="3200" dirty="0" smtClean="0">
-                <a:solidFill>
-                  <a:srgbClr val="FF0000"/>
-                </a:solidFill>
-              </a:rPr>
-              <a:t>: </a:t>
+              <a:t>David: </a:t>
             </a:r>
             <a:r>
               <a:rPr lang="es-MX" sz="3200" dirty="0" smtClean="0"/>
@@ -5178,7 +5223,7 @@
     </p:spTree>
     <p:extLst>
       <p:ext uri="{BB962C8B-B14F-4D97-AF65-F5344CB8AC3E}">
-        <p14:creationId xmlns:p14="http://schemas.microsoft.com/office/powerpoint/2010/main" val="3531898049"/>
+        <p14:creationId xmlns:p14="http://schemas.microsoft.com/office/powerpoint/2010/main" xmlns="" val="3531898049"/>
       </p:ext>
     </p:extLst>
   </p:cSld>
@@ -5497,7 +5542,7 @@
           <a:blip r:embed="rId2">
             <a:extLst>
               <a:ext uri="{28A0092B-C50C-407E-A947-70E740481C1C}">
-                <a14:useLocalDpi xmlns:a14="http://schemas.microsoft.com/office/drawing/2010/main" val="0"/>
+                <a14:useLocalDpi xmlns:a14="http://schemas.microsoft.com/office/drawing/2010/main" xmlns="" val="0"/>
               </a:ext>
             </a:extLst>
           </a:blip>
@@ -5757,7 +5802,7 @@
     </p:spTree>
     <p:extLst>
       <p:ext uri="{BB962C8B-B14F-4D97-AF65-F5344CB8AC3E}">
-        <p14:creationId xmlns:p14="http://schemas.microsoft.com/office/powerpoint/2010/main" val="2919352136"/>
+        <p14:creationId xmlns:p14="http://schemas.microsoft.com/office/powerpoint/2010/main" xmlns="" val="2919352136"/>
       </p:ext>
     </p:extLst>
   </p:cSld>
@@ -6083,7 +6128,7 @@
           <a:blip r:embed="rId2">
             <a:extLst>
               <a:ext uri="{28A0092B-C50C-407E-A947-70E740481C1C}">
-                <a14:useLocalDpi xmlns:a14="http://schemas.microsoft.com/office/drawing/2010/main" val="0"/>
+                <a14:useLocalDpi xmlns:a14="http://schemas.microsoft.com/office/drawing/2010/main" xmlns="" val="0"/>
               </a:ext>
             </a:extLst>
           </a:blip>
@@ -6149,7 +6194,7 @@
           <p:nvPr>
             <p:extLst>
               <p:ext uri="{D42A27DB-BD31-4B8C-83A1-F6EECF244321}">
-                <p14:modId xmlns:p14="http://schemas.microsoft.com/office/powerpoint/2010/main" val="754706623"/>
+                <p14:modId xmlns:p14="http://schemas.microsoft.com/office/powerpoint/2010/main" xmlns="" val="754706623"/>
               </p:ext>
             </p:extLst>
           </p:nvPr>
@@ -10591,14 +10636,14 @@
           <a:effectLst/>
           <a:extLst>
             <a:ext uri="{909E8E84-426E-40DD-AFC4-6F175D3DCCD1}">
-              <a14:hiddenFill xmlns:a14="http://schemas.microsoft.com/office/drawing/2010/main">
+              <a14:hiddenFill xmlns:a14="http://schemas.microsoft.com/office/drawing/2010/main" xmlns="">
                 <a:solidFill>
                   <a:schemeClr val="accent1"/>
                 </a:solidFill>
               </a14:hiddenFill>
             </a:ext>
             <a:ext uri="{91240B29-F687-4F45-9708-019B960494DF}">
-              <a14:hiddenLine xmlns:a14="http://schemas.microsoft.com/office/drawing/2010/main" w="9525">
+              <a14:hiddenLine xmlns:a14="http://schemas.microsoft.com/office/drawing/2010/main" xmlns="" w="9525">
                 <a:solidFill>
                   <a:schemeClr val="tx1"/>
                 </a:solidFill>
@@ -10608,7 +10653,7 @@
               </a14:hiddenLine>
             </a:ext>
             <a:ext uri="{AF507438-7753-43E0-B8FC-AC1667EBCBE1}">
-              <a14:hiddenEffects xmlns:a14="http://schemas.microsoft.com/office/drawing/2010/main">
+              <a14:hiddenEffects xmlns:a14="http://schemas.microsoft.com/office/drawing/2010/main" xmlns="">
                 <a:effectLst>
                   <a:outerShdw dist="35921" dir="2700000" algn="ctr" rotWithShape="0">
                     <a:schemeClr val="bg2"/>
@@ -10836,7 +10881,7 @@
     </p:spTree>
     <p:extLst>
       <p:ext uri="{BB962C8B-B14F-4D97-AF65-F5344CB8AC3E}">
-        <p14:creationId xmlns:p14="http://schemas.microsoft.com/office/powerpoint/2010/main" val="3663810000"/>
+        <p14:creationId xmlns:p14="http://schemas.microsoft.com/office/powerpoint/2010/main" xmlns="" val="3663810000"/>
       </p:ext>
     </p:extLst>
   </p:cSld>
@@ -11155,7 +11200,7 @@
           <a:blip r:embed="rId3">
             <a:extLst>
               <a:ext uri="{28A0092B-C50C-407E-A947-70E740481C1C}">
-                <a14:useLocalDpi xmlns:a14="http://schemas.microsoft.com/office/drawing/2010/main" val="0"/>
+                <a14:useLocalDpi xmlns:a14="http://schemas.microsoft.com/office/drawing/2010/main" xmlns="" val="0"/>
               </a:ext>
             </a:extLst>
           </a:blip>
@@ -11534,7 +11579,7 @@
     </p:spTree>
     <p:extLst>
       <p:ext uri="{BB962C8B-B14F-4D97-AF65-F5344CB8AC3E}">
-        <p14:creationId xmlns:p14="http://schemas.microsoft.com/office/powerpoint/2010/main" val="3743970074"/>
+        <p14:creationId xmlns:p14="http://schemas.microsoft.com/office/powerpoint/2010/main" xmlns="" val="3743970074"/>
       </p:ext>
     </p:extLst>
   </p:cSld>
@@ -11853,7 +11898,7 @@
           <a:blip r:embed="rId2">
             <a:extLst>
               <a:ext uri="{28A0092B-C50C-407E-A947-70E740481C1C}">
-                <a14:useLocalDpi xmlns:a14="http://schemas.microsoft.com/office/drawing/2010/main" val="0"/>
+                <a14:useLocalDpi xmlns:a14="http://schemas.microsoft.com/office/drawing/2010/main" xmlns="" val="0"/>
               </a:ext>
             </a:extLst>
           </a:blip>
@@ -12382,7 +12427,7 @@
     </p:spTree>
     <p:extLst>
       <p:ext uri="{BB962C8B-B14F-4D97-AF65-F5344CB8AC3E}">
-        <p14:creationId xmlns:p14="http://schemas.microsoft.com/office/powerpoint/2010/main" val="1889558385"/>
+        <p14:creationId xmlns:p14="http://schemas.microsoft.com/office/powerpoint/2010/main" xmlns="" val="1889558385"/>
       </p:ext>
     </p:extLst>
   </p:cSld>
@@ -12924,7 +12969,7 @@
           <a:blip r:embed="rId2">
             <a:extLst>
               <a:ext uri="{28A0092B-C50C-407E-A947-70E740481C1C}">
-                <a14:useLocalDpi xmlns:a14="http://schemas.microsoft.com/office/drawing/2010/main" val="0"/>
+                <a14:useLocalDpi xmlns:a14="http://schemas.microsoft.com/office/drawing/2010/main" xmlns="" val="0"/>
               </a:ext>
             </a:extLst>
           </a:blip>
@@ -13249,7 +13294,7 @@
     </p:spTree>
     <p:extLst>
       <p:ext uri="{BB962C8B-B14F-4D97-AF65-F5344CB8AC3E}">
-        <p14:creationId xmlns:p14="http://schemas.microsoft.com/office/powerpoint/2010/main" val="392561831"/>
+        <p14:creationId xmlns:p14="http://schemas.microsoft.com/office/powerpoint/2010/main" xmlns="" val="392561831"/>
       </p:ext>
     </p:extLst>
   </p:cSld>
@@ -13532,7 +13577,7 @@
           <a:blip r:embed="rId2">
             <a:extLst>
               <a:ext uri="{28A0092B-C50C-407E-A947-70E740481C1C}">
-                <a14:useLocalDpi xmlns:a14="http://schemas.microsoft.com/office/drawing/2010/main" val="0"/>
+                <a14:useLocalDpi xmlns:a14="http://schemas.microsoft.com/office/drawing/2010/main" xmlns="" val="0"/>
               </a:ext>
             </a:extLst>
           </a:blip>
@@ -13953,7 +13998,7 @@
     </p:spTree>
     <p:extLst>
       <p:ext uri="{BB962C8B-B14F-4D97-AF65-F5344CB8AC3E}">
-        <p14:creationId xmlns:p14="http://schemas.microsoft.com/office/powerpoint/2010/main" val="2622820083"/>
+        <p14:creationId xmlns:p14="http://schemas.microsoft.com/office/powerpoint/2010/main" xmlns="" val="2622820083"/>
       </p:ext>
     </p:extLst>
   </p:cSld>
@@ -14236,7 +14281,7 @@
           <a:blip r:embed="rId2">
             <a:extLst>
               <a:ext uri="{28A0092B-C50C-407E-A947-70E740481C1C}">
-                <a14:useLocalDpi xmlns:a14="http://schemas.microsoft.com/office/drawing/2010/main" val="0"/>
+                <a14:useLocalDpi xmlns:a14="http://schemas.microsoft.com/office/drawing/2010/main" xmlns="" val="0"/>
               </a:ext>
             </a:extLst>
           </a:blip>
@@ -14548,7 +14593,7 @@
     </p:spTree>
     <p:extLst>
       <p:ext uri="{BB962C8B-B14F-4D97-AF65-F5344CB8AC3E}">
-        <p14:creationId xmlns:p14="http://schemas.microsoft.com/office/powerpoint/2010/main" val="919326189"/>
+        <p14:creationId xmlns:p14="http://schemas.microsoft.com/office/powerpoint/2010/main" xmlns="" val="919326189"/>
       </p:ext>
     </p:extLst>
   </p:cSld>
@@ -14831,7 +14876,7 @@
           <a:blip r:embed="rId2">
             <a:extLst>
               <a:ext uri="{28A0092B-C50C-407E-A947-70E740481C1C}">
-                <a14:useLocalDpi xmlns:a14="http://schemas.microsoft.com/office/drawing/2010/main" val="0"/>
+                <a14:useLocalDpi xmlns:a14="http://schemas.microsoft.com/office/drawing/2010/main" xmlns="" val="0"/>
               </a:ext>
             </a:extLst>
           </a:blip>
@@ -15048,7 +15093,7 @@
     </p:spTree>
     <p:extLst>
       <p:ext uri="{BB962C8B-B14F-4D97-AF65-F5344CB8AC3E}">
-        <p14:creationId xmlns:p14="http://schemas.microsoft.com/office/powerpoint/2010/main" val="2530753270"/>
+        <p14:creationId xmlns:p14="http://schemas.microsoft.com/office/powerpoint/2010/main" xmlns="" val="2530753270"/>
       </p:ext>
     </p:extLst>
   </p:cSld>

--- a/OSCAR.pptx
+++ b/OSCAR.pptx
@@ -372,7 +372,7 @@
     </p:spTree>
     <p:extLst>
       <p:ext uri="{BB962C8B-B14F-4D97-AF65-F5344CB8AC3E}">
-        <p14:creationId xmlns:p14="http://schemas.microsoft.com/office/powerpoint/2010/main" xmlns="" val="911104179"/>
+        <p14:creationId xmlns:p14="http://schemas.microsoft.com/office/powerpoint/2010/main" val="911104179"/>
       </p:ext>
     </p:extLst>
   </p:cSld>
@@ -547,7 +547,7 @@
     </p:spTree>
     <p:extLst>
       <p:ext uri="{BB962C8B-B14F-4D97-AF65-F5344CB8AC3E}">
-        <p14:creationId xmlns:p14="http://schemas.microsoft.com/office/powerpoint/2010/main" xmlns="" val="1837513362"/>
+        <p14:creationId xmlns:p14="http://schemas.microsoft.com/office/powerpoint/2010/main" val="1837513362"/>
       </p:ext>
     </p:extLst>
   </p:cSld>
@@ -791,7 +791,7 @@
     </p:spTree>
     <p:extLst>
       <p:ext uri="{BB962C8B-B14F-4D97-AF65-F5344CB8AC3E}">
-        <p14:creationId xmlns:p14="http://schemas.microsoft.com/office/powerpoint/2010/main" xmlns="" val="3827054173"/>
+        <p14:creationId xmlns:p14="http://schemas.microsoft.com/office/powerpoint/2010/main" val="3827054173"/>
       </p:ext>
     </p:extLst>
   </p:cSld>
@@ -963,7 +963,7 @@
     </p:spTree>
     <p:extLst>
       <p:ext uri="{BB962C8B-B14F-4D97-AF65-F5344CB8AC3E}">
-        <p14:creationId xmlns:p14="http://schemas.microsoft.com/office/powerpoint/2010/main" xmlns="" val="3936208042"/>
+        <p14:creationId xmlns:p14="http://schemas.microsoft.com/office/powerpoint/2010/main" val="3936208042"/>
       </p:ext>
     </p:extLst>
   </p:cSld>
@@ -1145,7 +1145,7 @@
     </p:spTree>
     <p:extLst>
       <p:ext uri="{BB962C8B-B14F-4D97-AF65-F5344CB8AC3E}">
-        <p14:creationId xmlns:p14="http://schemas.microsoft.com/office/powerpoint/2010/main" xmlns="" val="3518867254"/>
+        <p14:creationId xmlns:p14="http://schemas.microsoft.com/office/powerpoint/2010/main" val="3518867254"/>
       </p:ext>
     </p:extLst>
   </p:cSld>
@@ -1317,7 +1317,7 @@
     </p:spTree>
     <p:extLst>
       <p:ext uri="{BB962C8B-B14F-4D97-AF65-F5344CB8AC3E}">
-        <p14:creationId xmlns:p14="http://schemas.microsoft.com/office/powerpoint/2010/main" xmlns="" val="3197977411"/>
+        <p14:creationId xmlns:p14="http://schemas.microsoft.com/office/powerpoint/2010/main" val="3197977411"/>
       </p:ext>
     </p:extLst>
   </p:cSld>
@@ -1565,7 +1565,7 @@
     </p:spTree>
     <p:extLst>
       <p:ext uri="{BB962C8B-B14F-4D97-AF65-F5344CB8AC3E}">
-        <p14:creationId xmlns:p14="http://schemas.microsoft.com/office/powerpoint/2010/main" xmlns="" val="830809944"/>
+        <p14:creationId xmlns:p14="http://schemas.microsoft.com/office/powerpoint/2010/main" val="830809944"/>
       </p:ext>
     </p:extLst>
   </p:cSld>
@@ -1855,7 +1855,7 @@
     </p:spTree>
     <p:extLst>
       <p:ext uri="{BB962C8B-B14F-4D97-AF65-F5344CB8AC3E}">
-        <p14:creationId xmlns:p14="http://schemas.microsoft.com/office/powerpoint/2010/main" xmlns="" val="1626925444"/>
+        <p14:creationId xmlns:p14="http://schemas.microsoft.com/office/powerpoint/2010/main" val="1626925444"/>
       </p:ext>
     </p:extLst>
   </p:cSld>
@@ -2279,7 +2279,7 @@
     </p:spTree>
     <p:extLst>
       <p:ext uri="{BB962C8B-B14F-4D97-AF65-F5344CB8AC3E}">
-        <p14:creationId xmlns:p14="http://schemas.microsoft.com/office/powerpoint/2010/main" xmlns="" val="2189432126"/>
+        <p14:creationId xmlns:p14="http://schemas.microsoft.com/office/powerpoint/2010/main" val="2189432126"/>
       </p:ext>
     </p:extLst>
   </p:cSld>
@@ -2399,7 +2399,7 @@
     </p:spTree>
     <p:extLst>
       <p:ext uri="{BB962C8B-B14F-4D97-AF65-F5344CB8AC3E}">
-        <p14:creationId xmlns:p14="http://schemas.microsoft.com/office/powerpoint/2010/main" xmlns="" val="1702711755"/>
+        <p14:creationId xmlns:p14="http://schemas.microsoft.com/office/powerpoint/2010/main" val="1702711755"/>
       </p:ext>
     </p:extLst>
   </p:cSld>
@@ -2496,7 +2496,7 @@
     </p:spTree>
     <p:extLst>
       <p:ext uri="{BB962C8B-B14F-4D97-AF65-F5344CB8AC3E}">
-        <p14:creationId xmlns:p14="http://schemas.microsoft.com/office/powerpoint/2010/main" xmlns="" val="586808412"/>
+        <p14:creationId xmlns:p14="http://schemas.microsoft.com/office/powerpoint/2010/main" val="586808412"/>
       </p:ext>
     </p:extLst>
   </p:cSld>
@@ -2775,7 +2775,7 @@
     </p:spTree>
     <p:extLst>
       <p:ext uri="{BB962C8B-B14F-4D97-AF65-F5344CB8AC3E}">
-        <p14:creationId xmlns:p14="http://schemas.microsoft.com/office/powerpoint/2010/main" xmlns="" val="1145503310"/>
+        <p14:creationId xmlns:p14="http://schemas.microsoft.com/office/powerpoint/2010/main" val="1145503310"/>
       </p:ext>
     </p:extLst>
   </p:cSld>
@@ -3030,7 +3030,7 @@
     </p:spTree>
     <p:extLst>
       <p:ext uri="{BB962C8B-B14F-4D97-AF65-F5344CB8AC3E}">
-        <p14:creationId xmlns:p14="http://schemas.microsoft.com/office/powerpoint/2010/main" xmlns="" val="2732390697"/>
+        <p14:creationId xmlns:p14="http://schemas.microsoft.com/office/powerpoint/2010/main" val="2732390697"/>
       </p:ext>
     </p:extLst>
   </p:cSld>
@@ -3281,7 +3281,7 @@
     </p:spTree>
     <p:extLst>
       <p:ext uri="{BB962C8B-B14F-4D97-AF65-F5344CB8AC3E}">
-        <p14:creationId xmlns:p14="http://schemas.microsoft.com/office/powerpoint/2010/main" xmlns="" val="3429544052"/>
+        <p14:creationId xmlns:p14="http://schemas.microsoft.com/office/powerpoint/2010/main" val="3429544052"/>
       </p:ext>
     </p:extLst>
   </p:cSld>
@@ -3742,7 +3742,7 @@
           <a:noFill/>
           <a:extLst>
             <a:ext uri="{909E8E84-426E-40DD-AFC4-6F175D3DCCD1}">
-              <a14:hiddenFill xmlns:a14="http://schemas.microsoft.com/office/drawing/2010/main" xmlns="">
+              <a14:hiddenFill xmlns:a14="http://schemas.microsoft.com/office/drawing/2010/main">
                 <a:solidFill>
                   <a:srgbClr val="FFFFFF"/>
                 </a:solidFill>
@@ -3774,7 +3774,7 @@
           <a:blip r:embed="rId2">
             <a:extLst>
               <a:ext uri="{28A0092B-C50C-407E-A947-70E740481C1C}">
-                <a14:useLocalDpi xmlns:a14="http://schemas.microsoft.com/office/drawing/2010/main" xmlns="" val="0"/>
+                <a14:useLocalDpi xmlns:a14="http://schemas.microsoft.com/office/drawing/2010/main" val="0"/>
               </a:ext>
             </a:extLst>
           </a:blip>
@@ -4065,7 +4065,7 @@
     </p:spTree>
     <p:extLst>
       <p:ext uri="{BB962C8B-B14F-4D97-AF65-F5344CB8AC3E}">
-        <p14:creationId xmlns:p14="http://schemas.microsoft.com/office/powerpoint/2010/main" xmlns="" val="2940712804"/>
+        <p14:creationId xmlns:p14="http://schemas.microsoft.com/office/powerpoint/2010/main" val="2940712804"/>
       </p:ext>
     </p:extLst>
   </p:cSld>
@@ -4542,7 +4542,7 @@
           <a:blip r:embed="rId2">
             <a:extLst>
               <a:ext uri="{28A0092B-C50C-407E-A947-70E740481C1C}">
-                <a14:useLocalDpi xmlns:a14="http://schemas.microsoft.com/office/drawing/2010/main" xmlns="" val="0"/>
+                <a14:useLocalDpi xmlns:a14="http://schemas.microsoft.com/office/drawing/2010/main" val="0"/>
               </a:ext>
             </a:extLst>
           </a:blip>
@@ -4843,7 +4843,7 @@
     </p:spTree>
     <p:extLst>
       <p:ext uri="{BB962C8B-B14F-4D97-AF65-F5344CB8AC3E}">
-        <p14:creationId xmlns:p14="http://schemas.microsoft.com/office/powerpoint/2010/main" xmlns="" val="17298753"/>
+        <p14:creationId xmlns:p14="http://schemas.microsoft.com/office/powerpoint/2010/main" val="17298753"/>
       </p:ext>
     </p:extLst>
   </p:cSld>
@@ -4918,8 +4918,8 @@
         </p:nvSpPr>
         <p:spPr>
           <a:xfrm>
-            <a:off x="323528" y="1565920"/>
-            <a:ext cx="8229600" cy="1143000"/>
+            <a:off x="323528" y="1700808"/>
+            <a:ext cx="8229600" cy="1008112"/>
           </a:xfrm>
           <a:prstGeom prst="rect">
             <a:avLst/>
@@ -4964,7 +4964,33 @@
             </a:r>
             <a:r>
               <a:rPr lang="es-MX" sz="3200" dirty="0" smtClean="0"/>
-              <a:t>excelente presentación, tomando en cuenta todos los aspectos para la auditoría informática.</a:t>
+              <a:t>excelente presentación, tomando en cuenta todos los aspectos para la auditoría informática</a:t>
+            </a:r>
+            <a:r>
+              <a:rPr lang="es-MX" sz="3200" dirty="0" smtClean="0"/>
+              <a:t>.</a:t>
+            </a:r>
+          </a:p>
+          <a:p>
+            <a:r>
+              <a:rPr lang="es-MX" sz="3200" dirty="0" smtClean="0">
+                <a:solidFill>
+                  <a:srgbClr val="FF0000"/>
+                </a:solidFill>
+              </a:rPr>
+              <a:t>Luis:</a:t>
+            </a:r>
+            <a:r>
+              <a:rPr lang="es-MX" sz="3200" dirty="0" smtClean="0"/>
+              <a:t> Siempre humillando a los </a:t>
+            </a:r>
+            <a:r>
+              <a:rPr lang="es-MX" sz="3200" dirty="0" err="1" smtClean="0"/>
+              <a:t>demas</a:t>
+            </a:r>
+            <a:r>
+              <a:rPr lang="es-MX" sz="3200" dirty="0" smtClean="0"/>
+              <a:t>.</a:t>
             </a:r>
             <a:endParaRPr lang="es-MX" sz="3200" dirty="0"/>
           </a:p>
@@ -5072,11 +5098,7 @@
             </a:r>
             <a:r>
               <a:rPr lang="es-MX" sz="3200" dirty="0" smtClean="0"/>
-              <a:t>gran presentación</a:t>
-            </a:r>
-            <a:r>
-              <a:rPr lang="es-MX" sz="3200" dirty="0" smtClean="0"/>
-              <a:t>…</a:t>
+              <a:t>gran presentación…</a:t>
             </a:r>
           </a:p>
           <a:p>
@@ -5160,9 +5182,12 @@
             </a:r>
             <a:r>
               <a:rPr lang="es-MX" sz="3200" dirty="0" smtClean="0"/>
-              <a:t>presentación óscar…</a:t>
-            </a:r>
-            <a:endParaRPr lang="es-MX" sz="3200" dirty="0"/>
+              <a:t>presentación óscar</a:t>
+            </a:r>
+            <a:r>
+              <a:rPr lang="es-MX" sz="3200" dirty="0" smtClean="0"/>
+              <a:t>…</a:t>
+            </a:r>
           </a:p>
         </p:txBody>
       </p:sp>
@@ -5223,7 +5248,7 @@
     </p:spTree>
     <p:extLst>
       <p:ext uri="{BB962C8B-B14F-4D97-AF65-F5344CB8AC3E}">
-        <p14:creationId xmlns:p14="http://schemas.microsoft.com/office/powerpoint/2010/main" xmlns="" val="3531898049"/>
+        <p14:creationId xmlns:p14="http://schemas.microsoft.com/office/powerpoint/2010/main" val="3531898049"/>
       </p:ext>
     </p:extLst>
   </p:cSld>
@@ -5542,7 +5567,7 @@
           <a:blip r:embed="rId2">
             <a:extLst>
               <a:ext uri="{28A0092B-C50C-407E-A947-70E740481C1C}">
-                <a14:useLocalDpi xmlns:a14="http://schemas.microsoft.com/office/drawing/2010/main" xmlns="" val="0"/>
+                <a14:useLocalDpi xmlns:a14="http://schemas.microsoft.com/office/drawing/2010/main" val="0"/>
               </a:ext>
             </a:extLst>
           </a:blip>
@@ -5802,7 +5827,7 @@
     </p:spTree>
     <p:extLst>
       <p:ext uri="{BB962C8B-B14F-4D97-AF65-F5344CB8AC3E}">
-        <p14:creationId xmlns:p14="http://schemas.microsoft.com/office/powerpoint/2010/main" xmlns="" val="2919352136"/>
+        <p14:creationId xmlns:p14="http://schemas.microsoft.com/office/powerpoint/2010/main" val="2919352136"/>
       </p:ext>
     </p:extLst>
   </p:cSld>
@@ -6128,7 +6153,7 @@
           <a:blip r:embed="rId2">
             <a:extLst>
               <a:ext uri="{28A0092B-C50C-407E-A947-70E740481C1C}">
-                <a14:useLocalDpi xmlns:a14="http://schemas.microsoft.com/office/drawing/2010/main" xmlns="" val="0"/>
+                <a14:useLocalDpi xmlns:a14="http://schemas.microsoft.com/office/drawing/2010/main" val="0"/>
               </a:ext>
             </a:extLst>
           </a:blip>
@@ -6194,7 +6219,7 @@
           <p:nvPr>
             <p:extLst>
               <p:ext uri="{D42A27DB-BD31-4B8C-83A1-F6EECF244321}">
-                <p14:modId xmlns:p14="http://schemas.microsoft.com/office/powerpoint/2010/main" xmlns="" val="754706623"/>
+                <p14:modId xmlns:p14="http://schemas.microsoft.com/office/powerpoint/2010/main" val="754706623"/>
               </p:ext>
             </p:extLst>
           </p:nvPr>
@@ -10636,14 +10661,14 @@
           <a:effectLst/>
           <a:extLst>
             <a:ext uri="{909E8E84-426E-40DD-AFC4-6F175D3DCCD1}">
-              <a14:hiddenFill xmlns:a14="http://schemas.microsoft.com/office/drawing/2010/main" xmlns="">
+              <a14:hiddenFill xmlns:a14="http://schemas.microsoft.com/office/drawing/2010/main">
                 <a:solidFill>
                   <a:schemeClr val="accent1"/>
                 </a:solidFill>
               </a14:hiddenFill>
             </a:ext>
             <a:ext uri="{91240B29-F687-4F45-9708-019B960494DF}">
-              <a14:hiddenLine xmlns:a14="http://schemas.microsoft.com/office/drawing/2010/main" xmlns="" w="9525">
+              <a14:hiddenLine xmlns:a14="http://schemas.microsoft.com/office/drawing/2010/main" w="9525">
                 <a:solidFill>
                   <a:schemeClr val="tx1"/>
                 </a:solidFill>
@@ -10653,7 +10678,7 @@
               </a14:hiddenLine>
             </a:ext>
             <a:ext uri="{AF507438-7753-43E0-B8FC-AC1667EBCBE1}">
-              <a14:hiddenEffects xmlns:a14="http://schemas.microsoft.com/office/drawing/2010/main" xmlns="">
+              <a14:hiddenEffects xmlns:a14="http://schemas.microsoft.com/office/drawing/2010/main">
                 <a:effectLst>
                   <a:outerShdw dist="35921" dir="2700000" algn="ctr" rotWithShape="0">
                     <a:schemeClr val="bg2"/>
@@ -10881,7 +10906,7 @@
     </p:spTree>
     <p:extLst>
       <p:ext uri="{BB962C8B-B14F-4D97-AF65-F5344CB8AC3E}">
-        <p14:creationId xmlns:p14="http://schemas.microsoft.com/office/powerpoint/2010/main" xmlns="" val="3663810000"/>
+        <p14:creationId xmlns:p14="http://schemas.microsoft.com/office/powerpoint/2010/main" val="3663810000"/>
       </p:ext>
     </p:extLst>
   </p:cSld>
@@ -11200,7 +11225,7 @@
           <a:blip r:embed="rId3">
             <a:extLst>
               <a:ext uri="{28A0092B-C50C-407E-A947-70E740481C1C}">
-                <a14:useLocalDpi xmlns:a14="http://schemas.microsoft.com/office/drawing/2010/main" xmlns="" val="0"/>
+                <a14:useLocalDpi xmlns:a14="http://schemas.microsoft.com/office/drawing/2010/main" val="0"/>
               </a:ext>
             </a:extLst>
           </a:blip>
@@ -11579,7 +11604,7 @@
     </p:spTree>
     <p:extLst>
       <p:ext uri="{BB962C8B-B14F-4D97-AF65-F5344CB8AC3E}">
-        <p14:creationId xmlns:p14="http://schemas.microsoft.com/office/powerpoint/2010/main" xmlns="" val="3743970074"/>
+        <p14:creationId xmlns:p14="http://schemas.microsoft.com/office/powerpoint/2010/main" val="3743970074"/>
       </p:ext>
     </p:extLst>
   </p:cSld>
@@ -11898,7 +11923,7 @@
           <a:blip r:embed="rId2">
             <a:extLst>
               <a:ext uri="{28A0092B-C50C-407E-A947-70E740481C1C}">
-                <a14:useLocalDpi xmlns:a14="http://schemas.microsoft.com/office/drawing/2010/main" xmlns="" val="0"/>
+                <a14:useLocalDpi xmlns:a14="http://schemas.microsoft.com/office/drawing/2010/main" val="0"/>
               </a:ext>
             </a:extLst>
           </a:blip>
@@ -12427,7 +12452,7 @@
     </p:spTree>
     <p:extLst>
       <p:ext uri="{BB962C8B-B14F-4D97-AF65-F5344CB8AC3E}">
-        <p14:creationId xmlns:p14="http://schemas.microsoft.com/office/powerpoint/2010/main" xmlns="" val="1889558385"/>
+        <p14:creationId xmlns:p14="http://schemas.microsoft.com/office/powerpoint/2010/main" val="1889558385"/>
       </p:ext>
     </p:extLst>
   </p:cSld>
@@ -12969,7 +12994,7 @@
           <a:blip r:embed="rId2">
             <a:extLst>
               <a:ext uri="{28A0092B-C50C-407E-A947-70E740481C1C}">
-                <a14:useLocalDpi xmlns:a14="http://schemas.microsoft.com/office/drawing/2010/main" xmlns="" val="0"/>
+                <a14:useLocalDpi xmlns:a14="http://schemas.microsoft.com/office/drawing/2010/main" val="0"/>
               </a:ext>
             </a:extLst>
           </a:blip>
@@ -13294,7 +13319,7 @@
     </p:spTree>
     <p:extLst>
       <p:ext uri="{BB962C8B-B14F-4D97-AF65-F5344CB8AC3E}">
-        <p14:creationId xmlns:p14="http://schemas.microsoft.com/office/powerpoint/2010/main" xmlns="" val="392561831"/>
+        <p14:creationId xmlns:p14="http://schemas.microsoft.com/office/powerpoint/2010/main" val="392561831"/>
       </p:ext>
     </p:extLst>
   </p:cSld>
@@ -13577,7 +13602,7 @@
           <a:blip r:embed="rId2">
             <a:extLst>
               <a:ext uri="{28A0092B-C50C-407E-A947-70E740481C1C}">
-                <a14:useLocalDpi xmlns:a14="http://schemas.microsoft.com/office/drawing/2010/main" xmlns="" val="0"/>
+                <a14:useLocalDpi xmlns:a14="http://schemas.microsoft.com/office/drawing/2010/main" val="0"/>
               </a:ext>
             </a:extLst>
           </a:blip>
@@ -13998,7 +14023,7 @@
     </p:spTree>
     <p:extLst>
       <p:ext uri="{BB962C8B-B14F-4D97-AF65-F5344CB8AC3E}">
-        <p14:creationId xmlns:p14="http://schemas.microsoft.com/office/powerpoint/2010/main" xmlns="" val="2622820083"/>
+        <p14:creationId xmlns:p14="http://schemas.microsoft.com/office/powerpoint/2010/main" val="2622820083"/>
       </p:ext>
     </p:extLst>
   </p:cSld>
@@ -14281,7 +14306,7 @@
           <a:blip r:embed="rId2">
             <a:extLst>
               <a:ext uri="{28A0092B-C50C-407E-A947-70E740481C1C}">
-                <a14:useLocalDpi xmlns:a14="http://schemas.microsoft.com/office/drawing/2010/main" xmlns="" val="0"/>
+                <a14:useLocalDpi xmlns:a14="http://schemas.microsoft.com/office/drawing/2010/main" val="0"/>
               </a:ext>
             </a:extLst>
           </a:blip>
@@ -14593,7 +14618,7 @@
     </p:spTree>
     <p:extLst>
       <p:ext uri="{BB962C8B-B14F-4D97-AF65-F5344CB8AC3E}">
-        <p14:creationId xmlns:p14="http://schemas.microsoft.com/office/powerpoint/2010/main" xmlns="" val="919326189"/>
+        <p14:creationId xmlns:p14="http://schemas.microsoft.com/office/powerpoint/2010/main" val="919326189"/>
       </p:ext>
     </p:extLst>
   </p:cSld>
@@ -14876,7 +14901,7 @@
           <a:blip r:embed="rId2">
             <a:extLst>
               <a:ext uri="{28A0092B-C50C-407E-A947-70E740481C1C}">
-                <a14:useLocalDpi xmlns:a14="http://schemas.microsoft.com/office/drawing/2010/main" xmlns="" val="0"/>
+                <a14:useLocalDpi xmlns:a14="http://schemas.microsoft.com/office/drawing/2010/main" val="0"/>
               </a:ext>
             </a:extLst>
           </a:blip>
@@ -15093,7 +15118,7 @@
     </p:spTree>
     <p:extLst>
       <p:ext uri="{BB962C8B-B14F-4D97-AF65-F5344CB8AC3E}">
-        <p14:creationId xmlns:p14="http://schemas.microsoft.com/office/powerpoint/2010/main" xmlns="" val="2530753270"/>
+        <p14:creationId xmlns:p14="http://schemas.microsoft.com/office/powerpoint/2010/main" val="2530753270"/>
       </p:ext>
     </p:extLst>
   </p:cSld>

--- a/OSCAR.pptx
+++ b/OSCAR.pptx
@@ -4964,11 +4964,7 @@
             </a:r>
             <a:r>
               <a:rPr lang="es-MX" sz="3200" dirty="0" smtClean="0"/>
-              <a:t>excelente presentación, tomando en cuenta todos los aspectos para la auditoría informática</a:t>
-            </a:r>
-            <a:r>
-              <a:rPr lang="es-MX" sz="3200" dirty="0" smtClean="0"/>
-              <a:t>.</a:t>
+              <a:t>excelente presentación, tomando en cuenta todos los aspectos para la auditoría informática.</a:t>
             </a:r>
           </a:p>
           <a:p>
@@ -5165,12 +5161,12 @@
           </a:lstStyle>
           <a:p>
             <a:r>
-              <a:rPr lang="es-MX" sz="3200" dirty="0" smtClean="0">
+              <a:rPr lang="es-MX" sz="3200" smtClean="0">
                 <a:solidFill>
                   <a:srgbClr val="FF0000"/>
                 </a:solidFill>
               </a:rPr>
-              <a:t>Manuel: </a:t>
+              <a:t>anonimo: </a:t>
             </a:r>
             <a:r>
               <a:rPr lang="es-MX" sz="3200" dirty="0" smtClean="0"/>
@@ -5182,11 +5178,7 @@
             </a:r>
             <a:r>
               <a:rPr lang="es-MX" sz="3200" dirty="0" smtClean="0"/>
-              <a:t>presentación óscar</a:t>
-            </a:r>
-            <a:r>
-              <a:rPr lang="es-MX" sz="3200" dirty="0" smtClean="0"/>
-              <a:t>…</a:t>
+              <a:t>presentación óscar…</a:t>
             </a:r>
           </a:p>
         </p:txBody>

--- a/OSCAR.pptx
+++ b/OSCAR.pptx
@@ -117,6 +117,22 @@
       </a:defRPr>
     </a:lvl9pPr>
   </p:defaultTextStyle>
+  <p:extLst>
+    <p:ext uri="{EFAFB233-063F-42B5-8137-9DF3F51BA10A}">
+      <p15:sldGuideLst xmlns:p15="http://schemas.microsoft.com/office/powerpoint/2012/main">
+        <p15:guide id="1" orient="horz" pos="2160">
+          <p15:clr>
+            <a:srgbClr val="A4A3A4"/>
+          </p15:clr>
+        </p15:guide>
+        <p15:guide id="2" pos="2880">
+          <p15:clr>
+            <a:srgbClr val="A4A3A4"/>
+          </p15:clr>
+        </p15:guide>
+      </p15:sldGuideLst>
+    </p:ext>
+  </p:extLst>
 </p:presentation>
 </file>
 
@@ -4850,6 +4866,13 @@
   <p:clrMapOvr>
     <a:masterClrMapping/>
   </p:clrMapOvr>
+  <p:timing>
+    <p:tnLst>
+      <p:par>
+        <p:cTn id="1" dur="indefinite" restart="never" nodeType="tmRoot"/>
+      </p:par>
+    </p:tnLst>
+  </p:timing>
 </p:sld>
 </file>
 
@@ -5161,12 +5184,20 @@
           </a:lstStyle>
           <a:p>
             <a:r>
-              <a:rPr lang="es-MX" sz="3200" smtClean="0">
+              <a:rPr lang="es-MX" sz="3200" dirty="0" err="1" smtClean="0">
                 <a:solidFill>
                   <a:srgbClr val="FF0000"/>
                 </a:solidFill>
               </a:rPr>
-              <a:t>anonimo: </a:t>
+              <a:t>anonimo</a:t>
+            </a:r>
+            <a:r>
+              <a:rPr lang="es-MX" sz="3200" dirty="0" smtClean="0">
+                <a:solidFill>
+                  <a:srgbClr val="FF0000"/>
+                </a:solidFill>
+              </a:rPr>
+              <a:t>: </a:t>
             </a:r>
             <a:r>
               <a:rPr lang="es-MX" sz="3200" dirty="0" smtClean="0"/>
@@ -5193,8 +5224,8 @@
         </p:nvSpPr>
         <p:spPr>
           <a:xfrm>
-            <a:off x="657284" y="5682105"/>
-            <a:ext cx="8229600" cy="1143000"/>
+            <a:off x="323528" y="6279699"/>
+            <a:ext cx="8711305" cy="330055"/>
           </a:xfrm>
           <a:prstGeom prst="rect">
             <a:avLst/>
@@ -5222,6 +5253,59 @@
           </a:lstStyle>
           <a:p>
             <a:r>
+              <a:rPr lang="es-MX" sz="3200" smtClean="0">
+                <a:solidFill>
+                  <a:srgbClr val="FF0000"/>
+                </a:solidFill>
+              </a:rPr>
+              <a:t>Javier Lizárraga: </a:t>
+            </a:r>
+            <a:r>
+              <a:rPr lang="es-MX" sz="3200" dirty="0" smtClean="0"/>
+              <a:t>Muy buen formato de presentación, además de interesante.</a:t>
+            </a:r>
+          </a:p>
+        </p:txBody>
+      </p:sp>
+      <p:sp>
+        <p:nvSpPr>
+          <p:cNvPr id="9" name="1 Título"/>
+          <p:cNvSpPr txBox="1">
+            <a:spLocks/>
+          </p:cNvSpPr>
+          <p:nvPr/>
+        </p:nvSpPr>
+        <p:spPr>
+          <a:xfrm>
+            <a:off x="805233" y="5682105"/>
+            <a:ext cx="8229600" cy="330055"/>
+          </a:xfrm>
+          <a:prstGeom prst="rect">
+            <a:avLst/>
+          </a:prstGeom>
+        </p:spPr>
+        <p:txBody>
+          <a:bodyPr vert="horz" lIns="91440" tIns="45720" rIns="91440" bIns="45720" rtlCol="0" anchor="ctr">
+            <a:noAutofit/>
+          </a:bodyPr>
+          <a:lstStyle>
+            <a:lvl1pPr algn="ctr" defTabSz="914400" rtl="0" eaLnBrk="1" latinLnBrk="0" hangingPunct="1">
+              <a:spcBef>
+                <a:spcPct val="0"/>
+              </a:spcBef>
+              <a:buNone/>
+              <a:defRPr sz="4400" kern="1200">
+                <a:solidFill>
+                  <a:schemeClr val="tx1"/>
+                </a:solidFill>
+                <a:latin typeface="+mj-lt"/>
+                <a:ea typeface="+mj-ea"/>
+                <a:cs typeface="+mj-cs"/>
+              </a:defRPr>
+            </a:lvl1pPr>
+          </a:lstStyle>
+          <a:p>
+            <a:r>
               <a:rPr lang="es-MX" sz="3200" dirty="0" smtClean="0">
                 <a:solidFill>
                   <a:srgbClr val="FF0000"/>
@@ -5247,6 +5331,13 @@
   <p:clrMapOvr>
     <a:masterClrMapping/>
   </p:clrMapOvr>
+  <p:timing>
+    <p:tnLst>
+      <p:par>
+        <p:cTn id="1" dur="indefinite" restart="never" nodeType="tmRoot"/>
+      </p:par>
+    </p:tnLst>
+  </p:timing>
 </p:sld>
 </file>
 
@@ -10905,6 +10996,13 @@
   <p:clrMapOvr>
     <a:masterClrMapping/>
   </p:clrMapOvr>
+  <p:timing>
+    <p:tnLst>
+      <p:par>
+        <p:cTn id="1" dur="indefinite" restart="never" nodeType="tmRoot"/>
+      </p:par>
+    </p:tnLst>
+  </p:timing>
 </p:sld>
 </file>
 
@@ -11603,6 +11701,13 @@
   <p:clrMapOvr>
     <a:masterClrMapping/>
   </p:clrMapOvr>
+  <p:timing>
+    <p:tnLst>
+      <p:par>
+        <p:cTn id="1" dur="indefinite" restart="never" nodeType="tmRoot"/>
+      </p:par>
+    </p:tnLst>
+  </p:timing>
 </p:sld>
 </file>
 
@@ -12451,6 +12556,13 @@
   <p:clrMapOvr>
     <a:masterClrMapping/>
   </p:clrMapOvr>
+  <p:timing>
+    <p:tnLst>
+      <p:par>
+        <p:cTn id="1" dur="indefinite" restart="never" nodeType="tmRoot"/>
+      </p:par>
+    </p:tnLst>
+  </p:timing>
 </p:sld>
 </file>
 
@@ -13318,6 +13430,13 @@
   <p:clrMapOvr>
     <a:masterClrMapping/>
   </p:clrMapOvr>
+  <p:timing>
+    <p:tnLst>
+      <p:par>
+        <p:cTn id="1" dur="indefinite" restart="never" nodeType="tmRoot"/>
+      </p:par>
+    </p:tnLst>
+  </p:timing>
 </p:sld>
 </file>
 
@@ -14022,6 +14141,13 @@
   <p:clrMapOvr>
     <a:masterClrMapping/>
   </p:clrMapOvr>
+  <p:timing>
+    <p:tnLst>
+      <p:par>
+        <p:cTn id="1" dur="indefinite" restart="never" nodeType="tmRoot"/>
+      </p:par>
+    </p:tnLst>
+  </p:timing>
 </p:sld>
 </file>
 
@@ -14617,6 +14743,13 @@
   <p:clrMapOvr>
     <a:masterClrMapping/>
   </p:clrMapOvr>
+  <p:timing>
+    <p:tnLst>
+      <p:par>
+        <p:cTn id="1" dur="indefinite" restart="never" nodeType="tmRoot"/>
+      </p:par>
+    </p:tnLst>
+  </p:timing>
 </p:sld>
 </file>
 
@@ -15117,6 +15250,13 @@
   <p:clrMapOvr>
     <a:masterClrMapping/>
   </p:clrMapOvr>
+  <p:timing>
+    <p:tnLst>
+      <p:par>
+        <p:cTn id="1" dur="indefinite" restart="never" nodeType="tmRoot"/>
+      </p:par>
+    </p:tnLst>
+  </p:timing>
 </p:sld>
 </file>
 
